--- a/AIH-LLM.pptx
+++ b/AIH-LLM.pptx
@@ -5,29 +5,30 @@
     <p:sldMasterId id="2147483769" r:id="rId1"/>
   </p:sldMasterIdLst>
   <p:notesMasterIdLst>
-    <p:notesMasterId r:id="rId22"/>
+    <p:notesMasterId r:id="rId23"/>
   </p:notesMasterIdLst>
   <p:sldIdLst>
     <p:sldId id="256" r:id="rId2"/>
     <p:sldId id="257" r:id="rId3"/>
     <p:sldId id="259" r:id="rId4"/>
-    <p:sldId id="281" r:id="rId5"/>
-    <p:sldId id="258" r:id="rId6"/>
-    <p:sldId id="278" r:id="rId7"/>
-    <p:sldId id="280" r:id="rId8"/>
-    <p:sldId id="282" r:id="rId9"/>
-    <p:sldId id="290" r:id="rId10"/>
-    <p:sldId id="291" r:id="rId11"/>
-    <p:sldId id="292" r:id="rId12"/>
-    <p:sldId id="293" r:id="rId13"/>
-    <p:sldId id="289" r:id="rId14"/>
-    <p:sldId id="283" r:id="rId15"/>
-    <p:sldId id="284" r:id="rId16"/>
-    <p:sldId id="285" r:id="rId17"/>
-    <p:sldId id="286" r:id="rId18"/>
-    <p:sldId id="287" r:id="rId19"/>
-    <p:sldId id="288" r:id="rId20"/>
-    <p:sldId id="276" r:id="rId21"/>
+    <p:sldId id="294" r:id="rId5"/>
+    <p:sldId id="281" r:id="rId6"/>
+    <p:sldId id="258" r:id="rId7"/>
+    <p:sldId id="278" r:id="rId8"/>
+    <p:sldId id="280" r:id="rId9"/>
+    <p:sldId id="282" r:id="rId10"/>
+    <p:sldId id="290" r:id="rId11"/>
+    <p:sldId id="291" r:id="rId12"/>
+    <p:sldId id="292" r:id="rId13"/>
+    <p:sldId id="293" r:id="rId14"/>
+    <p:sldId id="289" r:id="rId15"/>
+    <p:sldId id="283" r:id="rId16"/>
+    <p:sldId id="284" r:id="rId17"/>
+    <p:sldId id="285" r:id="rId18"/>
+    <p:sldId id="286" r:id="rId19"/>
+    <p:sldId id="287" r:id="rId20"/>
+    <p:sldId id="288" r:id="rId21"/>
+    <p:sldId id="276" r:id="rId22"/>
   </p:sldIdLst>
   <p:sldSz cx="12192000" cy="6858000"/>
   <p:notesSz cx="6858000" cy="9144000"/>
@@ -548,7 +549,7 @@
           <a:p>
             <a:fld id="{B8D235CA-C457-4283-BF0C-EED2E263A55B}" type="slidenum">
               <a:rPr lang="en-US" smtClean="0"/>
-              <a:t>18</a:t>
+              <a:t>19</a:t>
             </a:fld>
             <a:endParaRPr lang="en-US"/>
           </a:p>
@@ -14407,6 +14408,730 @@
         <p:cNvPr id="1" name="">
           <a:extLst>
             <a:ext uri="{FF2B5EF4-FFF2-40B4-BE49-F238E27FC236}">
+              <a16:creationId xmlns:a16="http://schemas.microsoft.com/office/drawing/2014/main" id="{CDCD3620-DB2C-8AE9-ED71-7B3AC15C7234}"/>
+            </a:ext>
+          </a:extLst>
+        </p:cNvPr>
+        <p:cNvGrpSpPr/>
+        <p:nvPr/>
+      </p:nvGrpSpPr>
+      <p:grpSpPr>
+        <a:xfrm>
+          <a:off x="0" y="0"/>
+          <a:ext cx="0" cy="0"/>
+          <a:chOff x="0" y="0"/>
+          <a:chExt cx="0" cy="0"/>
+        </a:xfrm>
+      </p:grpSpPr>
+      <p:sp>
+        <p:nvSpPr>
+          <p:cNvPr id="11" name="Rectangle 10">
+            <a:extLst>
+              <a:ext uri="{FF2B5EF4-FFF2-40B4-BE49-F238E27FC236}">
+                <a16:creationId xmlns:a16="http://schemas.microsoft.com/office/drawing/2014/main" id="{C88B6234-4ED3-DAC5-1848-D77F15F1F06F}"/>
+              </a:ext>
+              <a:ext uri="{C183D7F6-B498-43B3-948B-1728B52AA6E4}">
+                <adec:decorative xmlns:adec="http://schemas.microsoft.com/office/drawing/2017/decorative" val="1"/>
+              </a:ext>
+            </a:extLst>
+          </p:cNvPr>
+          <p:cNvSpPr>
+            <a:spLocks noGrp="1" noRot="1" noChangeAspect="1" noMove="1" noResize="1" noEditPoints="1" noAdjustHandles="1" noChangeArrowheads="1" noChangeShapeType="1" noTextEdit="1"/>
+          </p:cNvSpPr>
+          <p:nvPr>
+            <p:extLst>
+              <p:ext uri="{386F3935-93C4-4BCD-93E2-E3B085C9AB24}">
+                <p16:designElem xmlns:p16="http://schemas.microsoft.com/office/powerpoint/2015/main" val="1"/>
+              </p:ext>
+            </p:extLst>
+          </p:nvPr>
+        </p:nvSpPr>
+        <p:spPr>
+          <a:xfrm>
+            <a:off x="0" y="0"/>
+            <a:ext cx="12192000" cy="6858000"/>
+          </a:xfrm>
+          <a:prstGeom prst="rect">
+            <a:avLst/>
+          </a:prstGeom>
+          <a:ln>
+            <a:noFill/>
+          </a:ln>
+        </p:spPr>
+        <p:style>
+          <a:lnRef idx="2">
+            <a:schemeClr val="accent1">
+              <a:shade val="50000"/>
+            </a:schemeClr>
+          </a:lnRef>
+          <a:fillRef idx="1002">
+            <a:schemeClr val="lt1"/>
+          </a:fillRef>
+          <a:effectRef idx="0">
+            <a:schemeClr val="accent1"/>
+          </a:effectRef>
+          <a:fontRef idx="minor">
+            <a:schemeClr val="lt1"/>
+          </a:fontRef>
+        </p:style>
+        <p:txBody>
+          <a:bodyPr rtlCol="0" anchor="ctr"/>
+          <a:lstStyle/>
+          <a:p>
+            <a:pPr algn="ctr"/>
+            <a:endParaRPr lang="en-US"/>
+          </a:p>
+        </p:txBody>
+      </p:sp>
+      <p:sp useBgFill="1">
+        <p:nvSpPr>
+          <p:cNvPr id="13" name="Rectangle 12">
+            <a:extLst>
+              <a:ext uri="{FF2B5EF4-FFF2-40B4-BE49-F238E27FC236}">
+                <a16:creationId xmlns:a16="http://schemas.microsoft.com/office/drawing/2014/main" id="{47C00436-AAB6-555F-E7C0-3FE075B801BE}"/>
+              </a:ext>
+              <a:ext uri="{C183D7F6-B498-43B3-948B-1728B52AA6E4}">
+                <adec:decorative xmlns:adec="http://schemas.microsoft.com/office/drawing/2017/decorative" val="1"/>
+              </a:ext>
+            </a:extLst>
+          </p:cNvPr>
+          <p:cNvSpPr>
+            <a:spLocks noGrp="1" noRot="1" noChangeAspect="1" noMove="1" noResize="1" noEditPoints="1" noAdjustHandles="1" noChangeArrowheads="1" noChangeShapeType="1" noTextEdit="1"/>
+          </p:cNvSpPr>
+          <p:nvPr>
+            <p:extLst>
+              <p:ext uri="{386F3935-93C4-4BCD-93E2-E3B085C9AB24}">
+                <p16:designElem xmlns:p16="http://schemas.microsoft.com/office/powerpoint/2015/main" val="1"/>
+              </p:ext>
+            </p:extLst>
+          </p:nvPr>
+        </p:nvSpPr>
+        <p:spPr>
+          <a:xfrm>
+            <a:off x="476250" y="473745"/>
+            <a:ext cx="11227090" cy="5902829"/>
+          </a:xfrm>
+          <a:prstGeom prst="rect">
+            <a:avLst/>
+          </a:prstGeom>
+          <a:ln>
+            <a:noFill/>
+          </a:ln>
+          <a:effectLst/>
+        </p:spPr>
+        <p:style>
+          <a:lnRef idx="1">
+            <a:schemeClr val="accent1"/>
+          </a:lnRef>
+          <a:fillRef idx="3">
+            <a:schemeClr val="accent1"/>
+          </a:fillRef>
+          <a:effectRef idx="2">
+            <a:schemeClr val="accent1"/>
+          </a:effectRef>
+          <a:fontRef idx="minor">
+            <a:schemeClr val="lt1"/>
+          </a:fontRef>
+        </p:style>
+        <p:txBody>
+          <a:bodyPr/>
+          <a:lstStyle/>
+          <a:p>
+            <a:endParaRPr lang="en-US"/>
+          </a:p>
+        </p:txBody>
+      </p:sp>
+      <p:sp>
+        <p:nvSpPr>
+          <p:cNvPr id="15" name="Rectangle 14">
+            <a:extLst>
+              <a:ext uri="{FF2B5EF4-FFF2-40B4-BE49-F238E27FC236}">
+                <a16:creationId xmlns:a16="http://schemas.microsoft.com/office/drawing/2014/main" id="{93FE64EE-2412-6DC4-04F3-3977BE350048}"/>
+              </a:ext>
+              <a:ext uri="{C183D7F6-B498-43B3-948B-1728B52AA6E4}">
+                <adec:decorative xmlns:adec="http://schemas.microsoft.com/office/drawing/2017/decorative" val="1"/>
+              </a:ext>
+            </a:extLst>
+          </p:cNvPr>
+          <p:cNvSpPr>
+            <a:spLocks noGrp="1" noRot="1" noChangeAspect="1" noMove="1" noResize="1" noEditPoints="1" noAdjustHandles="1" noChangeArrowheads="1" noChangeShapeType="1" noTextEdit="1"/>
+          </p:cNvSpPr>
+          <p:nvPr>
+            <p:extLst>
+              <p:ext uri="{386F3935-93C4-4BCD-93E2-E3B085C9AB24}">
+                <p16:designElem xmlns:p16="http://schemas.microsoft.com/office/powerpoint/2015/main" val="1"/>
+              </p:ext>
+            </p:extLst>
+          </p:nvPr>
+        </p:nvSpPr>
+        <p:spPr>
+          <a:xfrm>
+            <a:off x="10437812" y="0"/>
+            <a:ext cx="685800" cy="1143000"/>
+          </a:xfrm>
+          <a:prstGeom prst="rect">
+            <a:avLst/>
+          </a:prstGeom>
+          <a:solidFill>
+            <a:schemeClr val="accent1"/>
+          </a:solidFill>
+          <a:ln>
+            <a:noFill/>
+          </a:ln>
+        </p:spPr>
+        <p:style>
+          <a:lnRef idx="1">
+            <a:schemeClr val="accent1"/>
+          </a:lnRef>
+          <a:fillRef idx="3">
+            <a:schemeClr val="accent1"/>
+          </a:fillRef>
+          <a:effectRef idx="2">
+            <a:schemeClr val="accent1"/>
+          </a:effectRef>
+          <a:fontRef idx="minor">
+            <a:schemeClr val="lt1"/>
+          </a:fontRef>
+        </p:style>
+        <p:txBody>
+          <a:bodyPr/>
+          <a:lstStyle/>
+          <a:p>
+            <a:endParaRPr lang="en-US"/>
+          </a:p>
+        </p:txBody>
+      </p:sp>
+      <p:sp>
+        <p:nvSpPr>
+          <p:cNvPr id="6" name="Slide Number Placeholder 5">
+            <a:extLst>
+              <a:ext uri="{FF2B5EF4-FFF2-40B4-BE49-F238E27FC236}">
+                <a16:creationId xmlns:a16="http://schemas.microsoft.com/office/drawing/2014/main" id="{86E5565B-86FD-103D-6733-4C7390332211}"/>
+              </a:ext>
+            </a:extLst>
+          </p:cNvPr>
+          <p:cNvSpPr>
+            <a:spLocks noGrp="1"/>
+          </p:cNvSpPr>
+          <p:nvPr>
+            <p:ph type="sldNum" sz="quarter" idx="12"/>
+          </p:nvPr>
+        </p:nvSpPr>
+        <p:spPr>
+          <a:xfrm>
+            <a:off x="10352540" y="295729"/>
+            <a:ext cx="838199" cy="767687"/>
+          </a:xfrm>
+        </p:spPr>
+        <p:txBody>
+          <a:bodyPr>
+            <a:normAutofit/>
+          </a:bodyPr>
+          <a:lstStyle/>
+          <a:p>
+            <a:pPr>
+              <a:spcAft>
+                <a:spcPts val="600"/>
+              </a:spcAft>
+            </a:pPr>
+            <a:fld id="{7BE69E03-4804-4553-A1EC-F089884EF50F}" type="slidenum">
+              <a:rPr lang="en-US">
+                <a:solidFill>
+                  <a:srgbClr val="FFFFFF"/>
+                </a:solidFill>
+              </a:rPr>
+              <a:pPr>
+                <a:spcAft>
+                  <a:spcPts val="600"/>
+                </a:spcAft>
+              </a:pPr>
+              <a:t>10</a:t>
+            </a:fld>
+            <a:endParaRPr lang="en-US">
+              <a:solidFill>
+                <a:srgbClr val="FFFFFF"/>
+              </a:solidFill>
+            </a:endParaRPr>
+          </a:p>
+        </p:txBody>
+      </p:sp>
+      <p:sp>
+        <p:nvSpPr>
+          <p:cNvPr id="5" name="Footer Placeholder 4">
+            <a:extLst>
+              <a:ext uri="{FF2B5EF4-FFF2-40B4-BE49-F238E27FC236}">
+                <a16:creationId xmlns:a16="http://schemas.microsoft.com/office/drawing/2014/main" id="{537B7F7A-CE87-AB12-9ECB-14AFA13F5F6E}"/>
+              </a:ext>
+            </a:extLst>
+          </p:cNvPr>
+          <p:cNvSpPr>
+            <a:spLocks noGrp="1"/>
+          </p:cNvSpPr>
+          <p:nvPr>
+            <p:ph type="ftr" sz="quarter" idx="11"/>
+          </p:nvPr>
+        </p:nvSpPr>
+        <p:spPr>
+          <a:xfrm>
+            <a:off x="561110" y="6973826"/>
+            <a:ext cx="3859795" cy="157375"/>
+          </a:xfrm>
+        </p:spPr>
+        <p:txBody>
+          <a:bodyPr>
+            <a:normAutofit fontScale="47500" lnSpcReduction="20000"/>
+          </a:bodyPr>
+          <a:lstStyle/>
+          <a:p>
+            <a:pPr>
+              <a:spcAft>
+                <a:spcPts val="600"/>
+              </a:spcAft>
+            </a:pPr>
+            <a:r>
+              <a:rPr lang="en-US">
+                <a:solidFill>
+                  <a:schemeClr val="tx1"/>
+                </a:solidFill>
+              </a:rPr>
+              <a:t>Sample Footer Text</a:t>
+            </a:r>
+          </a:p>
+        </p:txBody>
+      </p:sp>
+      <p:sp>
+        <p:nvSpPr>
+          <p:cNvPr id="4" name="Date Placeholder 3">
+            <a:extLst>
+              <a:ext uri="{FF2B5EF4-FFF2-40B4-BE49-F238E27FC236}">
+                <a16:creationId xmlns:a16="http://schemas.microsoft.com/office/drawing/2014/main" id="{4AB01879-2CD9-5160-3BCC-44C8DB494F25}"/>
+              </a:ext>
+            </a:extLst>
+          </p:cNvPr>
+          <p:cNvSpPr>
+            <a:spLocks noGrp="1"/>
+          </p:cNvSpPr>
+          <p:nvPr>
+            <p:ph type="dt" sz="half" idx="10"/>
+          </p:nvPr>
+        </p:nvSpPr>
+        <p:spPr>
+          <a:xfrm>
+            <a:off x="10653104" y="6391838"/>
+            <a:ext cx="990599" cy="304799"/>
+          </a:xfrm>
+        </p:spPr>
+        <p:txBody>
+          <a:bodyPr>
+            <a:normAutofit/>
+          </a:bodyPr>
+          <a:lstStyle/>
+          <a:p>
+            <a:pPr>
+              <a:lnSpc>
+                <a:spcPct val="90000"/>
+              </a:lnSpc>
+              <a:spcAft>
+                <a:spcPts val="600"/>
+              </a:spcAft>
+            </a:pPr>
+            <a:fld id="{57997BA6-BEF8-495F-ACCD-8D19769E4FC6}" type="datetime2">
+              <a:rPr lang="en-US" sz="700">
+                <a:solidFill>
+                  <a:schemeClr val="tx1"/>
+                </a:solidFill>
+              </a:rPr>
+              <a:pPr>
+                <a:lnSpc>
+                  <a:spcPct val="90000"/>
+                </a:lnSpc>
+                <a:spcAft>
+                  <a:spcPts val="600"/>
+                </a:spcAft>
+              </a:pPr>
+              <a:t>Thursday, April 10, 2025</a:t>
+            </a:fld>
+            <a:endParaRPr lang="en-US" sz="700">
+              <a:solidFill>
+                <a:schemeClr val="tx1"/>
+              </a:solidFill>
+            </a:endParaRPr>
+          </a:p>
+        </p:txBody>
+      </p:sp>
+      <p:sp>
+        <p:nvSpPr>
+          <p:cNvPr id="18" name="Title 1">
+            <a:extLst>
+              <a:ext uri="{FF2B5EF4-FFF2-40B4-BE49-F238E27FC236}">
+                <a16:creationId xmlns:a16="http://schemas.microsoft.com/office/drawing/2014/main" id="{D4416BD1-7234-6FE0-9371-77A6D0B70917}"/>
+              </a:ext>
+            </a:extLst>
+          </p:cNvPr>
+          <p:cNvSpPr txBox="1">
+            <a:spLocks/>
+          </p:cNvSpPr>
+          <p:nvPr/>
+        </p:nvSpPr>
+        <p:spPr bwMode="gray">
+          <a:xfrm>
+            <a:off x="944741" y="964053"/>
+            <a:ext cx="9826898" cy="839321"/>
+          </a:xfrm>
+          <a:prstGeom prst="rect">
+            <a:avLst/>
+          </a:prstGeom>
+        </p:spPr>
+        <p:txBody>
+          <a:bodyPr vert="horz" lIns="91440" tIns="45720" rIns="91440" bIns="45720" rtlCol="0" anchor="b">
+            <a:normAutofit/>
+          </a:bodyPr>
+          <a:lstStyle>
+            <a:lvl1pPr algn="l" defTabSz="457200" rtl="0" eaLnBrk="1" latinLnBrk="0" hangingPunct="1">
+              <a:spcBef>
+                <a:spcPct val="0"/>
+              </a:spcBef>
+              <a:buNone/>
+              <a:defRPr sz="3600" b="0" i="0" kern="1200">
+                <a:solidFill>
+                  <a:schemeClr val="bg2"/>
+                </a:solidFill>
+                <a:latin typeface="+mj-lt"/>
+                <a:ea typeface="+mj-ea"/>
+                <a:cs typeface="+mj-cs"/>
+              </a:defRPr>
+            </a:lvl1pPr>
+            <a:lvl2pPr eaLnBrk="1" hangingPunct="1">
+              <a:defRPr>
+                <a:solidFill>
+                  <a:schemeClr val="tx2"/>
+                </a:solidFill>
+              </a:defRPr>
+            </a:lvl2pPr>
+            <a:lvl3pPr eaLnBrk="1" hangingPunct="1">
+              <a:defRPr>
+                <a:solidFill>
+                  <a:schemeClr val="tx2"/>
+                </a:solidFill>
+              </a:defRPr>
+            </a:lvl3pPr>
+            <a:lvl4pPr eaLnBrk="1" hangingPunct="1">
+              <a:defRPr>
+                <a:solidFill>
+                  <a:schemeClr val="tx2"/>
+                </a:solidFill>
+              </a:defRPr>
+            </a:lvl4pPr>
+            <a:lvl5pPr eaLnBrk="1" hangingPunct="1">
+              <a:defRPr>
+                <a:solidFill>
+                  <a:schemeClr val="tx2"/>
+                </a:solidFill>
+              </a:defRPr>
+            </a:lvl5pPr>
+            <a:lvl6pPr eaLnBrk="1" hangingPunct="1">
+              <a:defRPr>
+                <a:solidFill>
+                  <a:schemeClr val="tx2"/>
+                </a:solidFill>
+              </a:defRPr>
+            </a:lvl6pPr>
+            <a:lvl7pPr eaLnBrk="1" hangingPunct="1">
+              <a:defRPr>
+                <a:solidFill>
+                  <a:schemeClr val="tx2"/>
+                </a:solidFill>
+              </a:defRPr>
+            </a:lvl7pPr>
+            <a:lvl8pPr eaLnBrk="1" hangingPunct="1">
+              <a:defRPr>
+                <a:solidFill>
+                  <a:schemeClr val="tx2"/>
+                </a:solidFill>
+              </a:defRPr>
+            </a:lvl8pPr>
+            <a:lvl9pPr eaLnBrk="1" hangingPunct="1">
+              <a:defRPr>
+                <a:solidFill>
+                  <a:schemeClr val="tx2"/>
+                </a:solidFill>
+              </a:defRPr>
+            </a:lvl9pPr>
+          </a:lstStyle>
+          <a:p>
+            <a:r>
+              <a:rPr lang="en-US" sz="2000" b="1" dirty="0">
+                <a:solidFill>
+                  <a:schemeClr val="tx2"/>
+                </a:solidFill>
+              </a:rPr>
+              <a:t>Step 1</a:t>
+            </a:r>
+            <a:r>
+              <a:rPr lang="en-US" sz="2000" dirty="0">
+                <a:solidFill>
+                  <a:schemeClr val="tx2"/>
+                </a:solidFill>
+              </a:rPr>
+              <a:t>: Category Mapping</a:t>
+            </a:r>
+          </a:p>
+          <a:p>
+            <a:endParaRPr lang="en-US" sz="2000" dirty="0">
+              <a:solidFill>
+                <a:schemeClr val="tx2"/>
+              </a:solidFill>
+            </a:endParaRPr>
+          </a:p>
+        </p:txBody>
+      </p:sp>
+      <p:sp>
+        <p:nvSpPr>
+          <p:cNvPr id="9" name="Title 1">
+            <a:extLst>
+              <a:ext uri="{FF2B5EF4-FFF2-40B4-BE49-F238E27FC236}">
+                <a16:creationId xmlns:a16="http://schemas.microsoft.com/office/drawing/2014/main" id="{D8EAC1DA-F20D-9136-5504-9F95AC69EE3B}"/>
+              </a:ext>
+            </a:extLst>
+          </p:cNvPr>
+          <p:cNvSpPr txBox="1">
+            <a:spLocks/>
+          </p:cNvSpPr>
+          <p:nvPr/>
+        </p:nvSpPr>
+        <p:spPr bwMode="gray">
+          <a:xfrm>
+            <a:off x="953814" y="4117550"/>
+            <a:ext cx="9826898" cy="425226"/>
+          </a:xfrm>
+          <a:prstGeom prst="rect">
+            <a:avLst/>
+          </a:prstGeom>
+        </p:spPr>
+        <p:txBody>
+          <a:bodyPr vert="horz" lIns="91440" tIns="45720" rIns="91440" bIns="45720" rtlCol="0" anchor="b">
+            <a:normAutofit/>
+          </a:bodyPr>
+          <a:lstStyle>
+            <a:lvl1pPr algn="l" defTabSz="457200" rtl="0" eaLnBrk="1" latinLnBrk="0" hangingPunct="1">
+              <a:spcBef>
+                <a:spcPct val="0"/>
+              </a:spcBef>
+              <a:buNone/>
+              <a:defRPr sz="3600" b="0" i="0" kern="1200">
+                <a:solidFill>
+                  <a:schemeClr val="bg2"/>
+                </a:solidFill>
+                <a:latin typeface="+mj-lt"/>
+                <a:ea typeface="+mj-ea"/>
+                <a:cs typeface="+mj-cs"/>
+              </a:defRPr>
+            </a:lvl1pPr>
+            <a:lvl2pPr eaLnBrk="1" hangingPunct="1">
+              <a:defRPr>
+                <a:solidFill>
+                  <a:schemeClr val="tx2"/>
+                </a:solidFill>
+              </a:defRPr>
+            </a:lvl2pPr>
+            <a:lvl3pPr eaLnBrk="1" hangingPunct="1">
+              <a:defRPr>
+                <a:solidFill>
+                  <a:schemeClr val="tx2"/>
+                </a:solidFill>
+              </a:defRPr>
+            </a:lvl3pPr>
+            <a:lvl4pPr eaLnBrk="1" hangingPunct="1">
+              <a:defRPr>
+                <a:solidFill>
+                  <a:schemeClr val="tx2"/>
+                </a:solidFill>
+              </a:defRPr>
+            </a:lvl4pPr>
+            <a:lvl5pPr eaLnBrk="1" hangingPunct="1">
+              <a:defRPr>
+                <a:solidFill>
+                  <a:schemeClr val="tx2"/>
+                </a:solidFill>
+              </a:defRPr>
+            </a:lvl5pPr>
+            <a:lvl6pPr eaLnBrk="1" hangingPunct="1">
+              <a:defRPr>
+                <a:solidFill>
+                  <a:schemeClr val="tx2"/>
+                </a:solidFill>
+              </a:defRPr>
+            </a:lvl6pPr>
+            <a:lvl7pPr eaLnBrk="1" hangingPunct="1">
+              <a:defRPr>
+                <a:solidFill>
+                  <a:schemeClr val="tx2"/>
+                </a:solidFill>
+              </a:defRPr>
+            </a:lvl7pPr>
+            <a:lvl8pPr eaLnBrk="1" hangingPunct="1">
+              <a:defRPr>
+                <a:solidFill>
+                  <a:schemeClr val="tx2"/>
+                </a:solidFill>
+              </a:defRPr>
+            </a:lvl8pPr>
+            <a:lvl9pPr eaLnBrk="1" hangingPunct="1">
+              <a:defRPr>
+                <a:solidFill>
+                  <a:schemeClr val="tx2"/>
+                </a:solidFill>
+              </a:defRPr>
+            </a:lvl9pPr>
+          </a:lstStyle>
+          <a:p>
+            <a:r>
+              <a:rPr lang="en-US" sz="2000" b="1" dirty="0">
+                <a:solidFill>
+                  <a:schemeClr val="tx2"/>
+                </a:solidFill>
+              </a:rPr>
+              <a:t>Step 2</a:t>
+            </a:r>
+            <a:r>
+              <a:rPr lang="en-US" sz="2000" dirty="0">
+                <a:solidFill>
+                  <a:schemeClr val="tx2"/>
+                </a:solidFill>
+              </a:rPr>
+              <a:t>: Normalize Categories</a:t>
+            </a:r>
+          </a:p>
+        </p:txBody>
+      </p:sp>
+      <p:sp>
+        <p:nvSpPr>
+          <p:cNvPr id="20" name="TextBox 19">
+            <a:extLst>
+              <a:ext uri="{FF2B5EF4-FFF2-40B4-BE49-F238E27FC236}">
+                <a16:creationId xmlns:a16="http://schemas.microsoft.com/office/drawing/2014/main" id="{5DB835F1-A6B2-2627-1053-ED22763AECED}"/>
+              </a:ext>
+            </a:extLst>
+          </p:cNvPr>
+          <p:cNvSpPr txBox="1"/>
+          <p:nvPr/>
+        </p:nvSpPr>
+        <p:spPr>
+          <a:xfrm>
+            <a:off x="944740" y="1499964"/>
+            <a:ext cx="9493071" cy="276999"/>
+          </a:xfrm>
+          <a:prstGeom prst="rect">
+            <a:avLst/>
+          </a:prstGeom>
+          <a:noFill/>
+        </p:spPr>
+        <p:txBody>
+          <a:bodyPr wrap="square">
+            <a:spAutoFit/>
+          </a:bodyPr>
+          <a:lstStyle/>
+          <a:p>
+            <a:r>
+              <a:rPr lang="en-US" sz="1200" dirty="0">
+                <a:solidFill>
+                  <a:schemeClr val="tx2"/>
+                </a:solidFill>
+              </a:rPr>
+              <a:t>Different allergy diagnosis are mapped to common allergy categories to remove overlapping diagnosis.</a:t>
+            </a:r>
+          </a:p>
+        </p:txBody>
+      </p:sp>
+      <p:pic>
+        <p:nvPicPr>
+          <p:cNvPr id="3" name="Picture 2">
+            <a:extLst>
+              <a:ext uri="{FF2B5EF4-FFF2-40B4-BE49-F238E27FC236}">
+                <a16:creationId xmlns:a16="http://schemas.microsoft.com/office/drawing/2014/main" id="{79511679-CC74-7877-1A6B-7F84CB96148B}"/>
+              </a:ext>
+            </a:extLst>
+          </p:cNvPr>
+          <p:cNvPicPr>
+            <a:picLocks noChangeAspect="1"/>
+          </p:cNvPicPr>
+          <p:nvPr/>
+        </p:nvPicPr>
+        <p:blipFill>
+          <a:blip r:embed="rId2"/>
+          <a:stretch>
+            <a:fillRect/>
+          </a:stretch>
+        </p:blipFill>
+        <p:spPr>
+          <a:xfrm>
+            <a:off x="1062508" y="1837118"/>
+            <a:ext cx="6391275" cy="2019300"/>
+          </a:xfrm>
+          <a:prstGeom prst="rect">
+            <a:avLst/>
+          </a:prstGeom>
+        </p:spPr>
+      </p:pic>
+      <p:pic>
+        <p:nvPicPr>
+          <p:cNvPr id="8" name="Picture 7">
+            <a:extLst>
+              <a:ext uri="{FF2B5EF4-FFF2-40B4-BE49-F238E27FC236}">
+                <a16:creationId xmlns:a16="http://schemas.microsoft.com/office/drawing/2014/main" id="{738134A3-B23A-7044-BE1F-22543D07F94B}"/>
+              </a:ext>
+            </a:extLst>
+          </p:cNvPr>
+          <p:cNvPicPr>
+            <a:picLocks noChangeAspect="1"/>
+          </p:cNvPicPr>
+          <p:nvPr/>
+        </p:nvPicPr>
+        <p:blipFill>
+          <a:blip r:embed="rId3"/>
+          <a:stretch>
+            <a:fillRect/>
+          </a:stretch>
+        </p:blipFill>
+        <p:spPr>
+          <a:xfrm>
+            <a:off x="1062508" y="4751513"/>
+            <a:ext cx="4581525" cy="990600"/>
+          </a:xfrm>
+          <a:prstGeom prst="rect">
+            <a:avLst/>
+          </a:prstGeom>
+        </p:spPr>
+      </p:pic>
+    </p:spTree>
+    <p:extLst>
+      <p:ext uri="{BB962C8B-B14F-4D97-AF65-F5344CB8AC3E}">
+        <p14:creationId xmlns:p14="http://schemas.microsoft.com/office/powerpoint/2010/main" val="1191351732"/>
+      </p:ext>
+    </p:extLst>
+  </p:cSld>
+  <p:clrMapOvr>
+    <a:masterClrMapping/>
+  </p:clrMapOvr>
+</p:sld>
+</file>
+
+<file path=ppt/slides/slide11.xml><?xml version="1.0" encoding="utf-8"?>
+<p:sld xmlns:a="http://schemas.openxmlformats.org/drawingml/2006/main" xmlns:r="http://schemas.openxmlformats.org/officeDocument/2006/relationships" xmlns:p="http://schemas.openxmlformats.org/presentationml/2006/main">
+  <p:cSld>
+    <p:bg>
+      <p:bgPr>
+        <a:solidFill>
+          <a:schemeClr val="bg1"/>
+        </a:solidFill>
+        <a:effectLst/>
+      </p:bgPr>
+    </p:bg>
+    <p:spTree>
+      <p:nvGrpSpPr>
+        <p:cNvPr id="1" name="">
+          <a:extLst>
+            <a:ext uri="{FF2B5EF4-FFF2-40B4-BE49-F238E27FC236}">
               <a16:creationId xmlns:a16="http://schemas.microsoft.com/office/drawing/2014/main" id="{F3CEBC05-8648-4E8B-2F0B-AEEA1B1883BF}"/>
             </a:ext>
           </a:extLst>
@@ -14644,7 +15369,7 @@
                   <a:spcPts val="600"/>
                 </a:spcAft>
               </a:pPr>
-              <a:t>10</a:t>
+              <a:t>11</a:t>
             </a:fld>
             <a:endParaRPr lang="en-US">
               <a:solidFill>
@@ -14966,7 +15691,7 @@
 </p:sld>
 </file>
 
-<file path=ppt/slides/slide11.xml><?xml version="1.0" encoding="utf-8"?>
+<file path=ppt/slides/slide12.xml><?xml version="1.0" encoding="utf-8"?>
 <p:sld xmlns:a="http://schemas.openxmlformats.org/drawingml/2006/main" xmlns:r="http://schemas.openxmlformats.org/officeDocument/2006/relationships" xmlns:p="http://schemas.openxmlformats.org/presentationml/2006/main">
   <p:cSld>
     <p:bg>
@@ -15219,7 +15944,7 @@
                   <a:spcPts val="600"/>
                 </a:spcAft>
               </a:pPr>
-              <a:t>11</a:t>
+              <a:t>12</a:t>
             </a:fld>
             <a:endParaRPr lang="en-US">
               <a:solidFill>
@@ -15571,7 +16296,7 @@
 </p:sld>
 </file>
 
-<file path=ppt/slides/slide12.xml><?xml version="1.0" encoding="utf-8"?>
+<file path=ppt/slides/slide13.xml><?xml version="1.0" encoding="utf-8"?>
 <p:sld xmlns:a="http://schemas.openxmlformats.org/drawingml/2006/main" xmlns:r="http://schemas.openxmlformats.org/officeDocument/2006/relationships" xmlns:p="http://schemas.openxmlformats.org/presentationml/2006/main">
   <p:cSld>
     <p:bg>
@@ -15824,7 +16549,7 @@
                   <a:spcPts val="600"/>
                 </a:spcAft>
               </a:pPr>
-              <a:t>12</a:t>
+              <a:t>13</a:t>
             </a:fld>
             <a:endParaRPr lang="en-US">
               <a:solidFill>
@@ -16177,7 +16902,7 @@
 </p:sld>
 </file>
 
-<file path=ppt/slides/slide13.xml><?xml version="1.0" encoding="utf-8"?>
+<file path=ppt/slides/slide14.xml><?xml version="1.0" encoding="utf-8"?>
 <p:sld xmlns:a="http://schemas.openxmlformats.org/drawingml/2006/main" xmlns:r="http://schemas.openxmlformats.org/officeDocument/2006/relationships" xmlns:p="http://schemas.openxmlformats.org/presentationml/2006/main">
   <p:cSld>
     <p:bg>
@@ -16469,7 +17194,7 @@
                   <a:spcPts val="600"/>
                 </a:spcAft>
               </a:pPr>
-              <a:t>13</a:t>
+              <a:t>14</a:t>
             </a:fld>
             <a:endParaRPr lang="en-US">
               <a:solidFill>
@@ -16677,7 +17402,7 @@
 </p:sld>
 </file>
 
-<file path=ppt/slides/slide14.xml><?xml version="1.0" encoding="utf-8"?>
+<file path=ppt/slides/slide15.xml><?xml version="1.0" encoding="utf-8"?>
 <p:sld xmlns:a="http://schemas.openxmlformats.org/drawingml/2006/main" xmlns:r="http://schemas.openxmlformats.org/officeDocument/2006/relationships" xmlns:p="http://schemas.openxmlformats.org/presentationml/2006/main">
   <p:cSld>
     <p:bg>
@@ -16930,7 +17655,7 @@
                   <a:spcPts val="600"/>
                 </a:spcAft>
               </a:pPr>
-              <a:t>14</a:t>
+              <a:t>15</a:t>
             </a:fld>
             <a:endParaRPr lang="en-US">
               <a:solidFill>
@@ -17440,7 +18165,7 @@
 </p:sld>
 </file>
 
-<file path=ppt/slides/slide15.xml><?xml version="1.0" encoding="utf-8"?>
+<file path=ppt/slides/slide16.xml><?xml version="1.0" encoding="utf-8"?>
 <p:sld xmlns:a="http://schemas.openxmlformats.org/drawingml/2006/main" xmlns:r="http://schemas.openxmlformats.org/officeDocument/2006/relationships" xmlns:p="http://schemas.openxmlformats.org/presentationml/2006/main">
   <p:cSld>
     <p:bg>
@@ -17693,7 +18418,7 @@
                   <a:spcPts val="600"/>
                 </a:spcAft>
               </a:pPr>
-              <a:t>15</a:t>
+              <a:t>16</a:t>
             </a:fld>
             <a:endParaRPr lang="en-US">
               <a:solidFill>
@@ -18015,7 +18740,7 @@
 </p:sld>
 </file>
 
-<file path=ppt/slides/slide16.xml><?xml version="1.0" encoding="utf-8"?>
+<file path=ppt/slides/slide17.xml><?xml version="1.0" encoding="utf-8"?>
 <p:sld xmlns:a="http://schemas.openxmlformats.org/drawingml/2006/main" xmlns:r="http://schemas.openxmlformats.org/officeDocument/2006/relationships" xmlns:p="http://schemas.openxmlformats.org/presentationml/2006/main">
   <p:cSld>
     <p:bg>
@@ -18268,7 +18993,7 @@
                   <a:spcPts val="600"/>
                 </a:spcAft>
               </a:pPr>
-              <a:t>16</a:t>
+              <a:t>17</a:t>
             </a:fld>
             <a:endParaRPr lang="en-US">
               <a:solidFill>
@@ -18590,7 +19315,7 @@
 </p:sld>
 </file>
 
-<file path=ppt/slides/slide17.xml><?xml version="1.0" encoding="utf-8"?>
+<file path=ppt/slides/slide18.xml><?xml version="1.0" encoding="utf-8"?>
 <p:sld xmlns:a="http://schemas.openxmlformats.org/drawingml/2006/main" xmlns:r="http://schemas.openxmlformats.org/officeDocument/2006/relationships" xmlns:p="http://schemas.openxmlformats.org/presentationml/2006/main">
   <p:cSld>
     <p:bg>
@@ -18843,7 +19568,7 @@
                   <a:spcPts val="600"/>
                 </a:spcAft>
               </a:pPr>
-              <a:t>17</a:t>
+              <a:t>18</a:t>
             </a:fld>
             <a:endParaRPr lang="en-US">
               <a:solidFill>
@@ -19165,7 +19890,7 @@
 </p:sld>
 </file>
 
-<file path=ppt/slides/slide18.xml><?xml version="1.0" encoding="utf-8"?>
+<file path=ppt/slides/slide19.xml><?xml version="1.0" encoding="utf-8"?>
 <p:sld xmlns:a="http://schemas.openxmlformats.org/drawingml/2006/main" xmlns:r="http://schemas.openxmlformats.org/officeDocument/2006/relationships" xmlns:p="http://schemas.openxmlformats.org/presentationml/2006/main">
   <p:cSld>
     <p:bg>
@@ -19418,7 +20143,7 @@
                   <a:spcPts val="600"/>
                 </a:spcAft>
               </a:pPr>
-              <a:t>18</a:t>
+              <a:t>19</a:t>
             </a:fld>
             <a:endParaRPr lang="en-US">
               <a:solidFill>
@@ -19802,466 +20527,6 @@
     <p:extLst>
       <p:ext uri="{BB962C8B-B14F-4D97-AF65-F5344CB8AC3E}">
         <p14:creationId xmlns:p14="http://schemas.microsoft.com/office/powerpoint/2010/main" val="1442313227"/>
-      </p:ext>
-    </p:extLst>
-  </p:cSld>
-  <p:clrMapOvr>
-    <a:masterClrMapping/>
-  </p:clrMapOvr>
-</p:sld>
-</file>
-
-<file path=ppt/slides/slide19.xml><?xml version="1.0" encoding="utf-8"?>
-<p:sld xmlns:a="http://schemas.openxmlformats.org/drawingml/2006/main" xmlns:r="http://schemas.openxmlformats.org/officeDocument/2006/relationships" xmlns:p="http://schemas.openxmlformats.org/presentationml/2006/main">
-  <p:cSld>
-    <p:bg>
-      <p:bgPr>
-        <a:solidFill>
-          <a:schemeClr val="bg1"/>
-        </a:solidFill>
-        <a:effectLst/>
-      </p:bgPr>
-    </p:bg>
-    <p:spTree>
-      <p:nvGrpSpPr>
-        <p:cNvPr id="1" name="">
-          <a:extLst>
-            <a:ext uri="{FF2B5EF4-FFF2-40B4-BE49-F238E27FC236}">
-              <a16:creationId xmlns:a16="http://schemas.microsoft.com/office/drawing/2014/main" id="{CFBDBDC4-0F32-9C32-F960-E5D7581088D2}"/>
-            </a:ext>
-          </a:extLst>
-        </p:cNvPr>
-        <p:cNvGrpSpPr/>
-        <p:nvPr/>
-      </p:nvGrpSpPr>
-      <p:grpSpPr>
-        <a:xfrm>
-          <a:off x="0" y="0"/>
-          <a:ext cx="0" cy="0"/>
-          <a:chOff x="0" y="0"/>
-          <a:chExt cx="0" cy="0"/>
-        </a:xfrm>
-      </p:grpSpPr>
-      <p:sp>
-        <p:nvSpPr>
-          <p:cNvPr id="11" name="Rectangle 10">
-            <a:extLst>
-              <a:ext uri="{FF2B5EF4-FFF2-40B4-BE49-F238E27FC236}">
-                <a16:creationId xmlns:a16="http://schemas.microsoft.com/office/drawing/2014/main" id="{2E254095-E62D-A372-8E6C-C455D817135E}"/>
-              </a:ext>
-              <a:ext uri="{C183D7F6-B498-43B3-948B-1728B52AA6E4}">
-                <adec:decorative xmlns:adec="http://schemas.microsoft.com/office/drawing/2017/decorative" val="1"/>
-              </a:ext>
-            </a:extLst>
-          </p:cNvPr>
-          <p:cNvSpPr>
-            <a:spLocks noGrp="1" noRot="1" noChangeAspect="1" noMove="1" noResize="1" noEditPoints="1" noAdjustHandles="1" noChangeArrowheads="1" noChangeShapeType="1" noTextEdit="1"/>
-          </p:cNvSpPr>
-          <p:nvPr>
-            <p:extLst>
-              <p:ext uri="{386F3935-93C4-4BCD-93E2-E3B085C9AB24}">
-                <p16:designElem xmlns:p16="http://schemas.microsoft.com/office/powerpoint/2015/main" val="1"/>
-              </p:ext>
-            </p:extLst>
-          </p:nvPr>
-        </p:nvSpPr>
-        <p:spPr>
-          <a:xfrm>
-            <a:off x="0" y="0"/>
-            <a:ext cx="12192000" cy="6858000"/>
-          </a:xfrm>
-          <a:prstGeom prst="rect">
-            <a:avLst/>
-          </a:prstGeom>
-          <a:ln>
-            <a:noFill/>
-          </a:ln>
-        </p:spPr>
-        <p:style>
-          <a:lnRef idx="2">
-            <a:schemeClr val="accent1">
-              <a:shade val="50000"/>
-            </a:schemeClr>
-          </a:lnRef>
-          <a:fillRef idx="1002">
-            <a:schemeClr val="lt1"/>
-          </a:fillRef>
-          <a:effectRef idx="0">
-            <a:schemeClr val="accent1"/>
-          </a:effectRef>
-          <a:fontRef idx="minor">
-            <a:schemeClr val="lt1"/>
-          </a:fontRef>
-        </p:style>
-        <p:txBody>
-          <a:bodyPr rtlCol="0" anchor="ctr"/>
-          <a:lstStyle/>
-          <a:p>
-            <a:pPr algn="ctr"/>
-            <a:endParaRPr lang="en-US"/>
-          </a:p>
-        </p:txBody>
-      </p:sp>
-      <p:sp useBgFill="1">
-        <p:nvSpPr>
-          <p:cNvPr id="13" name="Rectangle 12">
-            <a:extLst>
-              <a:ext uri="{FF2B5EF4-FFF2-40B4-BE49-F238E27FC236}">
-                <a16:creationId xmlns:a16="http://schemas.microsoft.com/office/drawing/2014/main" id="{EB993F4F-6DBF-970D-DEAF-99F8FD9E529A}"/>
-              </a:ext>
-              <a:ext uri="{C183D7F6-B498-43B3-948B-1728B52AA6E4}">
-                <adec:decorative xmlns:adec="http://schemas.microsoft.com/office/drawing/2017/decorative" val="1"/>
-              </a:ext>
-            </a:extLst>
-          </p:cNvPr>
-          <p:cNvSpPr>
-            <a:spLocks noGrp="1" noRot="1" noChangeAspect="1" noMove="1" noResize="1" noEditPoints="1" noAdjustHandles="1" noChangeArrowheads="1" noChangeShapeType="1" noTextEdit="1"/>
-          </p:cNvSpPr>
-          <p:nvPr>
-            <p:extLst>
-              <p:ext uri="{386F3935-93C4-4BCD-93E2-E3B085C9AB24}">
-                <p16:designElem xmlns:p16="http://schemas.microsoft.com/office/powerpoint/2015/main" val="1"/>
-              </p:ext>
-            </p:extLst>
-          </p:nvPr>
-        </p:nvSpPr>
-        <p:spPr>
-          <a:xfrm>
-            <a:off x="476250" y="473745"/>
-            <a:ext cx="11227090" cy="5902829"/>
-          </a:xfrm>
-          <a:prstGeom prst="rect">
-            <a:avLst/>
-          </a:prstGeom>
-          <a:ln>
-            <a:noFill/>
-          </a:ln>
-          <a:effectLst/>
-        </p:spPr>
-        <p:style>
-          <a:lnRef idx="1">
-            <a:schemeClr val="accent1"/>
-          </a:lnRef>
-          <a:fillRef idx="3">
-            <a:schemeClr val="accent1"/>
-          </a:fillRef>
-          <a:effectRef idx="2">
-            <a:schemeClr val="accent1"/>
-          </a:effectRef>
-          <a:fontRef idx="minor">
-            <a:schemeClr val="lt1"/>
-          </a:fontRef>
-        </p:style>
-        <p:txBody>
-          <a:bodyPr/>
-          <a:lstStyle/>
-          <a:p>
-            <a:endParaRPr lang="en-US"/>
-          </a:p>
-        </p:txBody>
-      </p:sp>
-      <p:sp>
-        <p:nvSpPr>
-          <p:cNvPr id="2" name="Title 1">
-            <a:extLst>
-              <a:ext uri="{FF2B5EF4-FFF2-40B4-BE49-F238E27FC236}">
-                <a16:creationId xmlns:a16="http://schemas.microsoft.com/office/drawing/2014/main" id="{5A92AE73-F921-AFF8-95A9-274733AF36EF}"/>
-              </a:ext>
-            </a:extLst>
-          </p:cNvPr>
-          <p:cNvSpPr>
-            <a:spLocks noGrp="1"/>
-          </p:cNvSpPr>
-          <p:nvPr>
-            <p:ph type="title"/>
-          </p:nvPr>
-        </p:nvSpPr>
-        <p:spPr>
-          <a:xfrm>
-            <a:off x="1091580" y="1724549"/>
-            <a:ext cx="9763525" cy="898674"/>
-          </a:xfrm>
-        </p:spPr>
-        <p:txBody>
-          <a:bodyPr anchor="b">
-            <a:normAutofit/>
-          </a:bodyPr>
-          <a:lstStyle/>
-          <a:p>
-            <a:r>
-              <a:rPr lang="en-US" dirty="0">
-                <a:solidFill>
-                  <a:schemeClr val="tx2"/>
-                </a:solidFill>
-              </a:rPr>
-              <a:t>Future Ahead</a:t>
-            </a:r>
-          </a:p>
-        </p:txBody>
-      </p:sp>
-      <p:sp>
-        <p:nvSpPr>
-          <p:cNvPr id="15" name="Rectangle 14">
-            <a:extLst>
-              <a:ext uri="{FF2B5EF4-FFF2-40B4-BE49-F238E27FC236}">
-                <a16:creationId xmlns:a16="http://schemas.microsoft.com/office/drawing/2014/main" id="{43ADF725-6DA1-688A-0017-B15CC3F6B31F}"/>
-              </a:ext>
-              <a:ext uri="{C183D7F6-B498-43B3-948B-1728B52AA6E4}">
-                <adec:decorative xmlns:adec="http://schemas.microsoft.com/office/drawing/2017/decorative" val="1"/>
-              </a:ext>
-            </a:extLst>
-          </p:cNvPr>
-          <p:cNvSpPr>
-            <a:spLocks noGrp="1" noRot="1" noChangeAspect="1" noMove="1" noResize="1" noEditPoints="1" noAdjustHandles="1" noChangeArrowheads="1" noChangeShapeType="1" noTextEdit="1"/>
-          </p:cNvSpPr>
-          <p:nvPr>
-            <p:extLst>
-              <p:ext uri="{386F3935-93C4-4BCD-93E2-E3B085C9AB24}">
-                <p16:designElem xmlns:p16="http://schemas.microsoft.com/office/powerpoint/2015/main" val="1"/>
-              </p:ext>
-            </p:extLst>
-          </p:nvPr>
-        </p:nvSpPr>
-        <p:spPr>
-          <a:xfrm>
-            <a:off x="10437812" y="0"/>
-            <a:ext cx="685800" cy="1143000"/>
-          </a:xfrm>
-          <a:prstGeom prst="rect">
-            <a:avLst/>
-          </a:prstGeom>
-          <a:solidFill>
-            <a:schemeClr val="accent1"/>
-          </a:solidFill>
-          <a:ln>
-            <a:noFill/>
-          </a:ln>
-        </p:spPr>
-        <p:style>
-          <a:lnRef idx="1">
-            <a:schemeClr val="accent1"/>
-          </a:lnRef>
-          <a:fillRef idx="3">
-            <a:schemeClr val="accent1"/>
-          </a:fillRef>
-          <a:effectRef idx="2">
-            <a:schemeClr val="accent1"/>
-          </a:effectRef>
-          <a:fontRef idx="minor">
-            <a:schemeClr val="lt1"/>
-          </a:fontRef>
-        </p:style>
-        <p:txBody>
-          <a:bodyPr/>
-          <a:lstStyle/>
-          <a:p>
-            <a:endParaRPr lang="en-US"/>
-          </a:p>
-        </p:txBody>
-      </p:sp>
-      <p:sp>
-        <p:nvSpPr>
-          <p:cNvPr id="6" name="Slide Number Placeholder 5">
-            <a:extLst>
-              <a:ext uri="{FF2B5EF4-FFF2-40B4-BE49-F238E27FC236}">
-                <a16:creationId xmlns:a16="http://schemas.microsoft.com/office/drawing/2014/main" id="{008018DE-4A72-A5A4-7207-0586CCD00150}"/>
-              </a:ext>
-            </a:extLst>
-          </p:cNvPr>
-          <p:cNvSpPr>
-            <a:spLocks noGrp="1"/>
-          </p:cNvSpPr>
-          <p:nvPr>
-            <p:ph type="sldNum" sz="quarter" idx="12"/>
-          </p:nvPr>
-        </p:nvSpPr>
-        <p:spPr>
-          <a:xfrm>
-            <a:off x="10352540" y="295729"/>
-            <a:ext cx="838199" cy="767687"/>
-          </a:xfrm>
-        </p:spPr>
-        <p:txBody>
-          <a:bodyPr>
-            <a:normAutofit/>
-          </a:bodyPr>
-          <a:lstStyle/>
-          <a:p>
-            <a:pPr>
-              <a:spcAft>
-                <a:spcPts val="600"/>
-              </a:spcAft>
-            </a:pPr>
-            <a:fld id="{7BE69E03-4804-4553-A1EC-F089884EF50F}" type="slidenum">
-              <a:rPr lang="en-US">
-                <a:solidFill>
-                  <a:srgbClr val="FFFFFF"/>
-                </a:solidFill>
-              </a:rPr>
-              <a:pPr>
-                <a:spcAft>
-                  <a:spcPts val="600"/>
-                </a:spcAft>
-              </a:pPr>
-              <a:t>19</a:t>
-            </a:fld>
-            <a:endParaRPr lang="en-US">
-              <a:solidFill>
-                <a:srgbClr val="FFFFFF"/>
-              </a:solidFill>
-            </a:endParaRPr>
-          </a:p>
-        </p:txBody>
-      </p:sp>
-      <p:sp>
-        <p:nvSpPr>
-          <p:cNvPr id="5" name="Footer Placeholder 4">
-            <a:extLst>
-              <a:ext uri="{FF2B5EF4-FFF2-40B4-BE49-F238E27FC236}">
-                <a16:creationId xmlns:a16="http://schemas.microsoft.com/office/drawing/2014/main" id="{C4462661-38F1-D738-846C-33DD38840F86}"/>
-              </a:ext>
-            </a:extLst>
-          </p:cNvPr>
-          <p:cNvSpPr>
-            <a:spLocks noGrp="1"/>
-          </p:cNvSpPr>
-          <p:nvPr>
-            <p:ph type="ftr" sz="quarter" idx="11"/>
-          </p:nvPr>
-        </p:nvSpPr>
-        <p:spPr>
-          <a:xfrm>
-            <a:off x="561110" y="6391838"/>
-            <a:ext cx="3859795" cy="304801"/>
-          </a:xfrm>
-        </p:spPr>
-        <p:txBody>
-          <a:bodyPr>
-            <a:normAutofit/>
-          </a:bodyPr>
-          <a:lstStyle/>
-          <a:p>
-            <a:pPr>
-              <a:spcAft>
-                <a:spcPts val="600"/>
-              </a:spcAft>
-            </a:pPr>
-            <a:r>
-              <a:rPr lang="en-US">
-                <a:solidFill>
-                  <a:schemeClr val="tx1"/>
-                </a:solidFill>
-              </a:rPr>
-              <a:t>Sample Footer Text</a:t>
-            </a:r>
-          </a:p>
-        </p:txBody>
-      </p:sp>
-      <p:sp>
-        <p:nvSpPr>
-          <p:cNvPr id="4" name="Date Placeholder 3">
-            <a:extLst>
-              <a:ext uri="{FF2B5EF4-FFF2-40B4-BE49-F238E27FC236}">
-                <a16:creationId xmlns:a16="http://schemas.microsoft.com/office/drawing/2014/main" id="{10FC2EF5-E822-DA32-8EBF-2D806B25946E}"/>
-              </a:ext>
-            </a:extLst>
-          </p:cNvPr>
-          <p:cNvSpPr>
-            <a:spLocks noGrp="1"/>
-          </p:cNvSpPr>
-          <p:nvPr>
-            <p:ph type="dt" sz="half" idx="10"/>
-          </p:nvPr>
-        </p:nvSpPr>
-        <p:spPr>
-          <a:xfrm>
-            <a:off x="10653104" y="6391838"/>
-            <a:ext cx="990599" cy="304799"/>
-          </a:xfrm>
-        </p:spPr>
-        <p:txBody>
-          <a:bodyPr>
-            <a:normAutofit/>
-          </a:bodyPr>
-          <a:lstStyle/>
-          <a:p>
-            <a:pPr>
-              <a:lnSpc>
-                <a:spcPct val="90000"/>
-              </a:lnSpc>
-              <a:spcAft>
-                <a:spcPts val="600"/>
-              </a:spcAft>
-            </a:pPr>
-            <a:fld id="{57997BA6-BEF8-495F-ACCD-8D19769E4FC6}" type="datetime2">
-              <a:rPr lang="en-US" sz="700">
-                <a:solidFill>
-                  <a:schemeClr val="tx1"/>
-                </a:solidFill>
-              </a:rPr>
-              <a:pPr>
-                <a:lnSpc>
-                  <a:spcPct val="90000"/>
-                </a:lnSpc>
-                <a:spcAft>
-                  <a:spcPts val="600"/>
-                </a:spcAft>
-              </a:pPr>
-              <a:t>Thursday, April 10, 2025</a:t>
-            </a:fld>
-            <a:endParaRPr lang="en-US" sz="700">
-              <a:solidFill>
-                <a:schemeClr val="tx1"/>
-              </a:solidFill>
-            </a:endParaRPr>
-          </a:p>
-        </p:txBody>
-      </p:sp>
-      <p:sp>
-        <p:nvSpPr>
-          <p:cNvPr id="3" name="TextBox 2">
-            <a:extLst>
-              <a:ext uri="{FF2B5EF4-FFF2-40B4-BE49-F238E27FC236}">
-                <a16:creationId xmlns:a16="http://schemas.microsoft.com/office/drawing/2014/main" id="{38A852FB-B681-4E48-5E60-0175DD529D0D}"/>
-              </a:ext>
-            </a:extLst>
-          </p:cNvPr>
-          <p:cNvSpPr txBox="1"/>
-          <p:nvPr/>
-        </p:nvSpPr>
-        <p:spPr>
-          <a:xfrm>
-            <a:off x="1091580" y="2851804"/>
-            <a:ext cx="8892578" cy="2585323"/>
-          </a:xfrm>
-          <a:prstGeom prst="rect">
-            <a:avLst/>
-          </a:prstGeom>
-          <a:noFill/>
-        </p:spPr>
-        <p:txBody>
-          <a:bodyPr wrap="square" rtlCol="0">
-            <a:spAutoFit/>
-          </a:bodyPr>
-          <a:lstStyle/>
-          <a:p>
-            <a:r>
-              <a:rPr lang="en-US" dirty="0"/>
-              <a:t>As demonstrated by these experiments, LLMs (Large Language Models) prove to be highly effective tools in the medical field. When utilized appropriately, they have the potential to significantly improve care dynamics by assisting with tasks such as diagnosing, predicting, and personalizing treatment plans. Their ability to process vast amounts of data quickly and accurately can support healthcare professionals in making more informed decisions, ultimately enhancing patient care and outcomes. However, optimal application and continuous refinement are crucial to fully harness their capabilities in this complex domain.</a:t>
-            </a:r>
-            <a:endParaRPr lang="en-US" dirty="0">
-              <a:solidFill>
-                <a:srgbClr val="2D3B45"/>
-              </a:solidFill>
-              <a:latin typeface="LatoWeb"/>
-            </a:endParaRPr>
-          </a:p>
-        </p:txBody>
-      </p:sp>
-    </p:spTree>
-    <p:extLst>
-      <p:ext uri="{BB962C8B-B14F-4D97-AF65-F5344CB8AC3E}">
-        <p14:creationId xmlns:p14="http://schemas.microsoft.com/office/powerpoint/2010/main" val="1996605965"/>
       </p:ext>
     </p:extLst>
   </p:cSld>
@@ -21067,6 +21332,466 @@
 </file>
 
 <file path=ppt/slides/slide20.xml><?xml version="1.0" encoding="utf-8"?>
+<p:sld xmlns:a="http://schemas.openxmlformats.org/drawingml/2006/main" xmlns:r="http://schemas.openxmlformats.org/officeDocument/2006/relationships" xmlns:p="http://schemas.openxmlformats.org/presentationml/2006/main">
+  <p:cSld>
+    <p:bg>
+      <p:bgPr>
+        <a:solidFill>
+          <a:schemeClr val="bg1"/>
+        </a:solidFill>
+        <a:effectLst/>
+      </p:bgPr>
+    </p:bg>
+    <p:spTree>
+      <p:nvGrpSpPr>
+        <p:cNvPr id="1" name="">
+          <a:extLst>
+            <a:ext uri="{FF2B5EF4-FFF2-40B4-BE49-F238E27FC236}">
+              <a16:creationId xmlns:a16="http://schemas.microsoft.com/office/drawing/2014/main" id="{CFBDBDC4-0F32-9C32-F960-E5D7581088D2}"/>
+            </a:ext>
+          </a:extLst>
+        </p:cNvPr>
+        <p:cNvGrpSpPr/>
+        <p:nvPr/>
+      </p:nvGrpSpPr>
+      <p:grpSpPr>
+        <a:xfrm>
+          <a:off x="0" y="0"/>
+          <a:ext cx="0" cy="0"/>
+          <a:chOff x="0" y="0"/>
+          <a:chExt cx="0" cy="0"/>
+        </a:xfrm>
+      </p:grpSpPr>
+      <p:sp>
+        <p:nvSpPr>
+          <p:cNvPr id="11" name="Rectangle 10">
+            <a:extLst>
+              <a:ext uri="{FF2B5EF4-FFF2-40B4-BE49-F238E27FC236}">
+                <a16:creationId xmlns:a16="http://schemas.microsoft.com/office/drawing/2014/main" id="{2E254095-E62D-A372-8E6C-C455D817135E}"/>
+              </a:ext>
+              <a:ext uri="{C183D7F6-B498-43B3-948B-1728B52AA6E4}">
+                <adec:decorative xmlns:adec="http://schemas.microsoft.com/office/drawing/2017/decorative" val="1"/>
+              </a:ext>
+            </a:extLst>
+          </p:cNvPr>
+          <p:cNvSpPr>
+            <a:spLocks noGrp="1" noRot="1" noChangeAspect="1" noMove="1" noResize="1" noEditPoints="1" noAdjustHandles="1" noChangeArrowheads="1" noChangeShapeType="1" noTextEdit="1"/>
+          </p:cNvSpPr>
+          <p:nvPr>
+            <p:extLst>
+              <p:ext uri="{386F3935-93C4-4BCD-93E2-E3B085C9AB24}">
+                <p16:designElem xmlns:p16="http://schemas.microsoft.com/office/powerpoint/2015/main" val="1"/>
+              </p:ext>
+            </p:extLst>
+          </p:nvPr>
+        </p:nvSpPr>
+        <p:spPr>
+          <a:xfrm>
+            <a:off x="0" y="0"/>
+            <a:ext cx="12192000" cy="6858000"/>
+          </a:xfrm>
+          <a:prstGeom prst="rect">
+            <a:avLst/>
+          </a:prstGeom>
+          <a:ln>
+            <a:noFill/>
+          </a:ln>
+        </p:spPr>
+        <p:style>
+          <a:lnRef idx="2">
+            <a:schemeClr val="accent1">
+              <a:shade val="50000"/>
+            </a:schemeClr>
+          </a:lnRef>
+          <a:fillRef idx="1002">
+            <a:schemeClr val="lt1"/>
+          </a:fillRef>
+          <a:effectRef idx="0">
+            <a:schemeClr val="accent1"/>
+          </a:effectRef>
+          <a:fontRef idx="minor">
+            <a:schemeClr val="lt1"/>
+          </a:fontRef>
+        </p:style>
+        <p:txBody>
+          <a:bodyPr rtlCol="0" anchor="ctr"/>
+          <a:lstStyle/>
+          <a:p>
+            <a:pPr algn="ctr"/>
+            <a:endParaRPr lang="en-US"/>
+          </a:p>
+        </p:txBody>
+      </p:sp>
+      <p:sp useBgFill="1">
+        <p:nvSpPr>
+          <p:cNvPr id="13" name="Rectangle 12">
+            <a:extLst>
+              <a:ext uri="{FF2B5EF4-FFF2-40B4-BE49-F238E27FC236}">
+                <a16:creationId xmlns:a16="http://schemas.microsoft.com/office/drawing/2014/main" id="{EB993F4F-6DBF-970D-DEAF-99F8FD9E529A}"/>
+              </a:ext>
+              <a:ext uri="{C183D7F6-B498-43B3-948B-1728B52AA6E4}">
+                <adec:decorative xmlns:adec="http://schemas.microsoft.com/office/drawing/2017/decorative" val="1"/>
+              </a:ext>
+            </a:extLst>
+          </p:cNvPr>
+          <p:cNvSpPr>
+            <a:spLocks noGrp="1" noRot="1" noChangeAspect="1" noMove="1" noResize="1" noEditPoints="1" noAdjustHandles="1" noChangeArrowheads="1" noChangeShapeType="1" noTextEdit="1"/>
+          </p:cNvSpPr>
+          <p:nvPr>
+            <p:extLst>
+              <p:ext uri="{386F3935-93C4-4BCD-93E2-E3B085C9AB24}">
+                <p16:designElem xmlns:p16="http://schemas.microsoft.com/office/powerpoint/2015/main" val="1"/>
+              </p:ext>
+            </p:extLst>
+          </p:nvPr>
+        </p:nvSpPr>
+        <p:spPr>
+          <a:xfrm>
+            <a:off x="476250" y="473745"/>
+            <a:ext cx="11227090" cy="5902829"/>
+          </a:xfrm>
+          <a:prstGeom prst="rect">
+            <a:avLst/>
+          </a:prstGeom>
+          <a:ln>
+            <a:noFill/>
+          </a:ln>
+          <a:effectLst/>
+        </p:spPr>
+        <p:style>
+          <a:lnRef idx="1">
+            <a:schemeClr val="accent1"/>
+          </a:lnRef>
+          <a:fillRef idx="3">
+            <a:schemeClr val="accent1"/>
+          </a:fillRef>
+          <a:effectRef idx="2">
+            <a:schemeClr val="accent1"/>
+          </a:effectRef>
+          <a:fontRef idx="minor">
+            <a:schemeClr val="lt1"/>
+          </a:fontRef>
+        </p:style>
+        <p:txBody>
+          <a:bodyPr/>
+          <a:lstStyle/>
+          <a:p>
+            <a:endParaRPr lang="en-US"/>
+          </a:p>
+        </p:txBody>
+      </p:sp>
+      <p:sp>
+        <p:nvSpPr>
+          <p:cNvPr id="2" name="Title 1">
+            <a:extLst>
+              <a:ext uri="{FF2B5EF4-FFF2-40B4-BE49-F238E27FC236}">
+                <a16:creationId xmlns:a16="http://schemas.microsoft.com/office/drawing/2014/main" id="{5A92AE73-F921-AFF8-95A9-274733AF36EF}"/>
+              </a:ext>
+            </a:extLst>
+          </p:cNvPr>
+          <p:cNvSpPr>
+            <a:spLocks noGrp="1"/>
+          </p:cNvSpPr>
+          <p:nvPr>
+            <p:ph type="title"/>
+          </p:nvPr>
+        </p:nvSpPr>
+        <p:spPr>
+          <a:xfrm>
+            <a:off x="1091580" y="1724549"/>
+            <a:ext cx="9763525" cy="898674"/>
+          </a:xfrm>
+        </p:spPr>
+        <p:txBody>
+          <a:bodyPr anchor="b">
+            <a:normAutofit/>
+          </a:bodyPr>
+          <a:lstStyle/>
+          <a:p>
+            <a:r>
+              <a:rPr lang="en-US" dirty="0">
+                <a:solidFill>
+                  <a:schemeClr val="tx2"/>
+                </a:solidFill>
+              </a:rPr>
+              <a:t>Future Ahead</a:t>
+            </a:r>
+          </a:p>
+        </p:txBody>
+      </p:sp>
+      <p:sp>
+        <p:nvSpPr>
+          <p:cNvPr id="15" name="Rectangle 14">
+            <a:extLst>
+              <a:ext uri="{FF2B5EF4-FFF2-40B4-BE49-F238E27FC236}">
+                <a16:creationId xmlns:a16="http://schemas.microsoft.com/office/drawing/2014/main" id="{43ADF725-6DA1-688A-0017-B15CC3F6B31F}"/>
+              </a:ext>
+              <a:ext uri="{C183D7F6-B498-43B3-948B-1728B52AA6E4}">
+                <adec:decorative xmlns:adec="http://schemas.microsoft.com/office/drawing/2017/decorative" val="1"/>
+              </a:ext>
+            </a:extLst>
+          </p:cNvPr>
+          <p:cNvSpPr>
+            <a:spLocks noGrp="1" noRot="1" noChangeAspect="1" noMove="1" noResize="1" noEditPoints="1" noAdjustHandles="1" noChangeArrowheads="1" noChangeShapeType="1" noTextEdit="1"/>
+          </p:cNvSpPr>
+          <p:nvPr>
+            <p:extLst>
+              <p:ext uri="{386F3935-93C4-4BCD-93E2-E3B085C9AB24}">
+                <p16:designElem xmlns:p16="http://schemas.microsoft.com/office/powerpoint/2015/main" val="1"/>
+              </p:ext>
+            </p:extLst>
+          </p:nvPr>
+        </p:nvSpPr>
+        <p:spPr>
+          <a:xfrm>
+            <a:off x="10437812" y="0"/>
+            <a:ext cx="685800" cy="1143000"/>
+          </a:xfrm>
+          <a:prstGeom prst="rect">
+            <a:avLst/>
+          </a:prstGeom>
+          <a:solidFill>
+            <a:schemeClr val="accent1"/>
+          </a:solidFill>
+          <a:ln>
+            <a:noFill/>
+          </a:ln>
+        </p:spPr>
+        <p:style>
+          <a:lnRef idx="1">
+            <a:schemeClr val="accent1"/>
+          </a:lnRef>
+          <a:fillRef idx="3">
+            <a:schemeClr val="accent1"/>
+          </a:fillRef>
+          <a:effectRef idx="2">
+            <a:schemeClr val="accent1"/>
+          </a:effectRef>
+          <a:fontRef idx="minor">
+            <a:schemeClr val="lt1"/>
+          </a:fontRef>
+        </p:style>
+        <p:txBody>
+          <a:bodyPr/>
+          <a:lstStyle/>
+          <a:p>
+            <a:endParaRPr lang="en-US"/>
+          </a:p>
+        </p:txBody>
+      </p:sp>
+      <p:sp>
+        <p:nvSpPr>
+          <p:cNvPr id="6" name="Slide Number Placeholder 5">
+            <a:extLst>
+              <a:ext uri="{FF2B5EF4-FFF2-40B4-BE49-F238E27FC236}">
+                <a16:creationId xmlns:a16="http://schemas.microsoft.com/office/drawing/2014/main" id="{008018DE-4A72-A5A4-7207-0586CCD00150}"/>
+              </a:ext>
+            </a:extLst>
+          </p:cNvPr>
+          <p:cNvSpPr>
+            <a:spLocks noGrp="1"/>
+          </p:cNvSpPr>
+          <p:nvPr>
+            <p:ph type="sldNum" sz="quarter" idx="12"/>
+          </p:nvPr>
+        </p:nvSpPr>
+        <p:spPr>
+          <a:xfrm>
+            <a:off x="10352540" y="295729"/>
+            <a:ext cx="838199" cy="767687"/>
+          </a:xfrm>
+        </p:spPr>
+        <p:txBody>
+          <a:bodyPr>
+            <a:normAutofit/>
+          </a:bodyPr>
+          <a:lstStyle/>
+          <a:p>
+            <a:pPr>
+              <a:spcAft>
+                <a:spcPts val="600"/>
+              </a:spcAft>
+            </a:pPr>
+            <a:fld id="{7BE69E03-4804-4553-A1EC-F089884EF50F}" type="slidenum">
+              <a:rPr lang="en-US">
+                <a:solidFill>
+                  <a:srgbClr val="FFFFFF"/>
+                </a:solidFill>
+              </a:rPr>
+              <a:pPr>
+                <a:spcAft>
+                  <a:spcPts val="600"/>
+                </a:spcAft>
+              </a:pPr>
+              <a:t>20</a:t>
+            </a:fld>
+            <a:endParaRPr lang="en-US">
+              <a:solidFill>
+                <a:srgbClr val="FFFFFF"/>
+              </a:solidFill>
+            </a:endParaRPr>
+          </a:p>
+        </p:txBody>
+      </p:sp>
+      <p:sp>
+        <p:nvSpPr>
+          <p:cNvPr id="5" name="Footer Placeholder 4">
+            <a:extLst>
+              <a:ext uri="{FF2B5EF4-FFF2-40B4-BE49-F238E27FC236}">
+                <a16:creationId xmlns:a16="http://schemas.microsoft.com/office/drawing/2014/main" id="{C4462661-38F1-D738-846C-33DD38840F86}"/>
+              </a:ext>
+            </a:extLst>
+          </p:cNvPr>
+          <p:cNvSpPr>
+            <a:spLocks noGrp="1"/>
+          </p:cNvSpPr>
+          <p:nvPr>
+            <p:ph type="ftr" sz="quarter" idx="11"/>
+          </p:nvPr>
+        </p:nvSpPr>
+        <p:spPr>
+          <a:xfrm>
+            <a:off x="561110" y="6391838"/>
+            <a:ext cx="3859795" cy="304801"/>
+          </a:xfrm>
+        </p:spPr>
+        <p:txBody>
+          <a:bodyPr>
+            <a:normAutofit/>
+          </a:bodyPr>
+          <a:lstStyle/>
+          <a:p>
+            <a:pPr>
+              <a:spcAft>
+                <a:spcPts val="600"/>
+              </a:spcAft>
+            </a:pPr>
+            <a:r>
+              <a:rPr lang="en-US">
+                <a:solidFill>
+                  <a:schemeClr val="tx1"/>
+                </a:solidFill>
+              </a:rPr>
+              <a:t>Sample Footer Text</a:t>
+            </a:r>
+          </a:p>
+        </p:txBody>
+      </p:sp>
+      <p:sp>
+        <p:nvSpPr>
+          <p:cNvPr id="4" name="Date Placeholder 3">
+            <a:extLst>
+              <a:ext uri="{FF2B5EF4-FFF2-40B4-BE49-F238E27FC236}">
+                <a16:creationId xmlns:a16="http://schemas.microsoft.com/office/drawing/2014/main" id="{10FC2EF5-E822-DA32-8EBF-2D806B25946E}"/>
+              </a:ext>
+            </a:extLst>
+          </p:cNvPr>
+          <p:cNvSpPr>
+            <a:spLocks noGrp="1"/>
+          </p:cNvSpPr>
+          <p:nvPr>
+            <p:ph type="dt" sz="half" idx="10"/>
+          </p:nvPr>
+        </p:nvSpPr>
+        <p:spPr>
+          <a:xfrm>
+            <a:off x="10653104" y="6391838"/>
+            <a:ext cx="990599" cy="304799"/>
+          </a:xfrm>
+        </p:spPr>
+        <p:txBody>
+          <a:bodyPr>
+            <a:normAutofit/>
+          </a:bodyPr>
+          <a:lstStyle/>
+          <a:p>
+            <a:pPr>
+              <a:lnSpc>
+                <a:spcPct val="90000"/>
+              </a:lnSpc>
+              <a:spcAft>
+                <a:spcPts val="600"/>
+              </a:spcAft>
+            </a:pPr>
+            <a:fld id="{57997BA6-BEF8-495F-ACCD-8D19769E4FC6}" type="datetime2">
+              <a:rPr lang="en-US" sz="700">
+                <a:solidFill>
+                  <a:schemeClr val="tx1"/>
+                </a:solidFill>
+              </a:rPr>
+              <a:pPr>
+                <a:lnSpc>
+                  <a:spcPct val="90000"/>
+                </a:lnSpc>
+                <a:spcAft>
+                  <a:spcPts val="600"/>
+                </a:spcAft>
+              </a:pPr>
+              <a:t>Thursday, April 10, 2025</a:t>
+            </a:fld>
+            <a:endParaRPr lang="en-US" sz="700">
+              <a:solidFill>
+                <a:schemeClr val="tx1"/>
+              </a:solidFill>
+            </a:endParaRPr>
+          </a:p>
+        </p:txBody>
+      </p:sp>
+      <p:sp>
+        <p:nvSpPr>
+          <p:cNvPr id="3" name="TextBox 2">
+            <a:extLst>
+              <a:ext uri="{FF2B5EF4-FFF2-40B4-BE49-F238E27FC236}">
+                <a16:creationId xmlns:a16="http://schemas.microsoft.com/office/drawing/2014/main" id="{38A852FB-B681-4E48-5E60-0175DD529D0D}"/>
+              </a:ext>
+            </a:extLst>
+          </p:cNvPr>
+          <p:cNvSpPr txBox="1"/>
+          <p:nvPr/>
+        </p:nvSpPr>
+        <p:spPr>
+          <a:xfrm>
+            <a:off x="1091580" y="2851804"/>
+            <a:ext cx="8892578" cy="2585323"/>
+          </a:xfrm>
+          <a:prstGeom prst="rect">
+            <a:avLst/>
+          </a:prstGeom>
+          <a:noFill/>
+        </p:spPr>
+        <p:txBody>
+          <a:bodyPr wrap="square" rtlCol="0">
+            <a:spAutoFit/>
+          </a:bodyPr>
+          <a:lstStyle/>
+          <a:p>
+            <a:r>
+              <a:rPr lang="en-US" dirty="0"/>
+              <a:t>As demonstrated by these experiments, LLMs (Large Language Models) prove to be highly effective tools in the medical field. When utilized appropriately, they have the potential to significantly improve care dynamics by assisting with tasks such as diagnosing, predicting, and personalizing treatment plans. Their ability to process vast amounts of data quickly and accurately can support healthcare professionals in making more informed decisions, ultimately enhancing patient care and outcomes. However, optimal application and continuous refinement are crucial to fully harness their capabilities in this complex domain.</a:t>
+            </a:r>
+            <a:endParaRPr lang="en-US" dirty="0">
+              <a:solidFill>
+                <a:srgbClr val="2D3B45"/>
+              </a:solidFill>
+              <a:latin typeface="LatoWeb"/>
+            </a:endParaRPr>
+          </a:p>
+        </p:txBody>
+      </p:sp>
+    </p:spTree>
+    <p:extLst>
+      <p:ext uri="{BB962C8B-B14F-4D97-AF65-F5344CB8AC3E}">
+        <p14:creationId xmlns:p14="http://schemas.microsoft.com/office/powerpoint/2010/main" val="1996605965"/>
+      </p:ext>
+    </p:extLst>
+  </p:cSld>
+  <p:clrMapOvr>
+    <a:masterClrMapping/>
+  </p:clrMapOvr>
+</p:sld>
+</file>
+
+<file path=ppt/slides/slide21.xml><?xml version="1.0" encoding="utf-8"?>
 <p:sld xmlns:a="http://schemas.openxmlformats.org/drawingml/2006/main" xmlns:r="http://schemas.openxmlformats.org/officeDocument/2006/relationships" xmlns:p="http://schemas.openxmlformats.org/presentationml/2006/main">
   <p:cSld>
     <p:bg>
@@ -22487,6 +23212,526 @@
         <p:cNvPr id="1" name="">
           <a:extLst>
             <a:ext uri="{FF2B5EF4-FFF2-40B4-BE49-F238E27FC236}">
+              <a16:creationId xmlns:a16="http://schemas.microsoft.com/office/drawing/2014/main" id="{7B2D8A5C-F44B-DC3D-C415-F7BB23D31EED}"/>
+            </a:ext>
+          </a:extLst>
+        </p:cNvPr>
+        <p:cNvGrpSpPr/>
+        <p:nvPr/>
+      </p:nvGrpSpPr>
+      <p:grpSpPr>
+        <a:xfrm>
+          <a:off x="0" y="0"/>
+          <a:ext cx="0" cy="0"/>
+          <a:chOff x="0" y="0"/>
+          <a:chExt cx="0" cy="0"/>
+        </a:xfrm>
+      </p:grpSpPr>
+      <p:sp>
+        <p:nvSpPr>
+          <p:cNvPr id="11" name="Rectangle 10">
+            <a:extLst>
+              <a:ext uri="{FF2B5EF4-FFF2-40B4-BE49-F238E27FC236}">
+                <a16:creationId xmlns:a16="http://schemas.microsoft.com/office/drawing/2014/main" id="{FB843237-8DE1-324B-08CA-5672B93985A4}"/>
+              </a:ext>
+              <a:ext uri="{C183D7F6-B498-43B3-948B-1728B52AA6E4}">
+                <adec:decorative xmlns:adec="http://schemas.microsoft.com/office/drawing/2017/decorative" val="1"/>
+              </a:ext>
+            </a:extLst>
+          </p:cNvPr>
+          <p:cNvSpPr>
+            <a:spLocks noGrp="1" noRot="1" noChangeAspect="1" noMove="1" noResize="1" noEditPoints="1" noAdjustHandles="1" noChangeArrowheads="1" noChangeShapeType="1" noTextEdit="1"/>
+          </p:cNvSpPr>
+          <p:nvPr>
+            <p:extLst>
+              <p:ext uri="{386F3935-93C4-4BCD-93E2-E3B085C9AB24}">
+                <p16:designElem xmlns:p16="http://schemas.microsoft.com/office/powerpoint/2015/main" val="1"/>
+              </p:ext>
+            </p:extLst>
+          </p:nvPr>
+        </p:nvSpPr>
+        <p:spPr>
+          <a:xfrm>
+            <a:off x="0" y="0"/>
+            <a:ext cx="12192000" cy="6858000"/>
+          </a:xfrm>
+          <a:prstGeom prst="rect">
+            <a:avLst/>
+          </a:prstGeom>
+          <a:ln>
+            <a:noFill/>
+          </a:ln>
+        </p:spPr>
+        <p:style>
+          <a:lnRef idx="2">
+            <a:schemeClr val="accent1">
+              <a:shade val="50000"/>
+            </a:schemeClr>
+          </a:lnRef>
+          <a:fillRef idx="1002">
+            <a:schemeClr val="lt1"/>
+          </a:fillRef>
+          <a:effectRef idx="0">
+            <a:schemeClr val="accent1"/>
+          </a:effectRef>
+          <a:fontRef idx="minor">
+            <a:schemeClr val="lt1"/>
+          </a:fontRef>
+        </p:style>
+        <p:txBody>
+          <a:bodyPr rtlCol="0" anchor="ctr"/>
+          <a:lstStyle/>
+          <a:p>
+            <a:pPr algn="ctr"/>
+            <a:endParaRPr lang="en-US"/>
+          </a:p>
+        </p:txBody>
+      </p:sp>
+      <p:sp useBgFill="1">
+        <p:nvSpPr>
+          <p:cNvPr id="13" name="Rectangle 12">
+            <a:extLst>
+              <a:ext uri="{FF2B5EF4-FFF2-40B4-BE49-F238E27FC236}">
+                <a16:creationId xmlns:a16="http://schemas.microsoft.com/office/drawing/2014/main" id="{EAAFE01B-9413-3B73-C06B-20DEE1265F89}"/>
+              </a:ext>
+              <a:ext uri="{C183D7F6-B498-43B3-948B-1728B52AA6E4}">
+                <adec:decorative xmlns:adec="http://schemas.microsoft.com/office/drawing/2017/decorative" val="1"/>
+              </a:ext>
+            </a:extLst>
+          </p:cNvPr>
+          <p:cNvSpPr>
+            <a:spLocks noGrp="1" noRot="1" noChangeAspect="1" noMove="1" noResize="1" noEditPoints="1" noAdjustHandles="1" noChangeArrowheads="1" noChangeShapeType="1" noTextEdit="1"/>
+          </p:cNvSpPr>
+          <p:nvPr>
+            <p:extLst>
+              <p:ext uri="{386F3935-93C4-4BCD-93E2-E3B085C9AB24}">
+                <p16:designElem xmlns:p16="http://schemas.microsoft.com/office/powerpoint/2015/main" val="1"/>
+              </p:ext>
+            </p:extLst>
+          </p:nvPr>
+        </p:nvSpPr>
+        <p:spPr>
+          <a:xfrm>
+            <a:off x="476250" y="473745"/>
+            <a:ext cx="11227090" cy="5902829"/>
+          </a:xfrm>
+          <a:prstGeom prst="rect">
+            <a:avLst/>
+          </a:prstGeom>
+          <a:ln>
+            <a:noFill/>
+          </a:ln>
+          <a:effectLst/>
+        </p:spPr>
+        <p:style>
+          <a:lnRef idx="1">
+            <a:schemeClr val="accent1"/>
+          </a:lnRef>
+          <a:fillRef idx="3">
+            <a:schemeClr val="accent1"/>
+          </a:fillRef>
+          <a:effectRef idx="2">
+            <a:schemeClr val="accent1"/>
+          </a:effectRef>
+          <a:fontRef idx="minor">
+            <a:schemeClr val="lt1"/>
+          </a:fontRef>
+        </p:style>
+        <p:txBody>
+          <a:bodyPr/>
+          <a:lstStyle/>
+          <a:p>
+            <a:endParaRPr lang="en-US"/>
+          </a:p>
+        </p:txBody>
+      </p:sp>
+      <p:sp>
+        <p:nvSpPr>
+          <p:cNvPr id="2" name="Title 1">
+            <a:extLst>
+              <a:ext uri="{FF2B5EF4-FFF2-40B4-BE49-F238E27FC236}">
+                <a16:creationId xmlns:a16="http://schemas.microsoft.com/office/drawing/2014/main" id="{9A626A94-51D6-8FDE-96F9-EEBE1FF457DA}"/>
+              </a:ext>
+            </a:extLst>
+          </p:cNvPr>
+          <p:cNvSpPr>
+            <a:spLocks noGrp="1"/>
+          </p:cNvSpPr>
+          <p:nvPr>
+            <p:ph type="title"/>
+          </p:nvPr>
+        </p:nvSpPr>
+        <p:spPr>
+          <a:xfrm>
+            <a:off x="1154954" y="855482"/>
+            <a:ext cx="8761413" cy="898674"/>
+          </a:xfrm>
+        </p:spPr>
+        <p:txBody>
+          <a:bodyPr anchor="b">
+            <a:normAutofit/>
+          </a:bodyPr>
+          <a:lstStyle/>
+          <a:p>
+            <a:r>
+              <a:rPr lang="en-US" dirty="0">
+                <a:solidFill>
+                  <a:schemeClr val="tx2"/>
+                </a:solidFill>
+              </a:rPr>
+              <a:t>Code</a:t>
+            </a:r>
+          </a:p>
+        </p:txBody>
+      </p:sp>
+      <p:sp>
+        <p:nvSpPr>
+          <p:cNvPr id="15" name="Rectangle 14">
+            <a:extLst>
+              <a:ext uri="{FF2B5EF4-FFF2-40B4-BE49-F238E27FC236}">
+                <a16:creationId xmlns:a16="http://schemas.microsoft.com/office/drawing/2014/main" id="{7A2FAE12-BE74-012E-EC7D-090DB9FF524A}"/>
+              </a:ext>
+              <a:ext uri="{C183D7F6-B498-43B3-948B-1728B52AA6E4}">
+                <adec:decorative xmlns:adec="http://schemas.microsoft.com/office/drawing/2017/decorative" val="1"/>
+              </a:ext>
+            </a:extLst>
+          </p:cNvPr>
+          <p:cNvSpPr>
+            <a:spLocks noGrp="1" noRot="1" noChangeAspect="1" noMove="1" noResize="1" noEditPoints="1" noAdjustHandles="1" noChangeArrowheads="1" noChangeShapeType="1" noTextEdit="1"/>
+          </p:cNvSpPr>
+          <p:nvPr>
+            <p:extLst>
+              <p:ext uri="{386F3935-93C4-4BCD-93E2-E3B085C9AB24}">
+                <p16:designElem xmlns:p16="http://schemas.microsoft.com/office/powerpoint/2015/main" val="1"/>
+              </p:ext>
+            </p:extLst>
+          </p:nvPr>
+        </p:nvSpPr>
+        <p:spPr>
+          <a:xfrm>
+            <a:off x="10437812" y="0"/>
+            <a:ext cx="685800" cy="1143000"/>
+          </a:xfrm>
+          <a:prstGeom prst="rect">
+            <a:avLst/>
+          </a:prstGeom>
+          <a:solidFill>
+            <a:schemeClr val="accent1"/>
+          </a:solidFill>
+          <a:ln>
+            <a:noFill/>
+          </a:ln>
+        </p:spPr>
+        <p:style>
+          <a:lnRef idx="1">
+            <a:schemeClr val="accent1"/>
+          </a:lnRef>
+          <a:fillRef idx="3">
+            <a:schemeClr val="accent1"/>
+          </a:fillRef>
+          <a:effectRef idx="2">
+            <a:schemeClr val="accent1"/>
+          </a:effectRef>
+          <a:fontRef idx="minor">
+            <a:schemeClr val="lt1"/>
+          </a:fontRef>
+        </p:style>
+        <p:txBody>
+          <a:bodyPr/>
+          <a:lstStyle/>
+          <a:p>
+            <a:endParaRPr lang="en-US"/>
+          </a:p>
+        </p:txBody>
+      </p:sp>
+      <p:sp>
+        <p:nvSpPr>
+          <p:cNvPr id="6" name="Slide Number Placeholder 5">
+            <a:extLst>
+              <a:ext uri="{FF2B5EF4-FFF2-40B4-BE49-F238E27FC236}">
+                <a16:creationId xmlns:a16="http://schemas.microsoft.com/office/drawing/2014/main" id="{6C4EE913-B460-31E1-045D-05DC84EFF222}"/>
+              </a:ext>
+            </a:extLst>
+          </p:cNvPr>
+          <p:cNvSpPr>
+            <a:spLocks noGrp="1"/>
+          </p:cNvSpPr>
+          <p:nvPr>
+            <p:ph type="sldNum" sz="quarter" idx="12"/>
+          </p:nvPr>
+        </p:nvSpPr>
+        <p:spPr>
+          <a:xfrm>
+            <a:off x="10352540" y="295729"/>
+            <a:ext cx="838199" cy="767687"/>
+          </a:xfrm>
+        </p:spPr>
+        <p:txBody>
+          <a:bodyPr>
+            <a:normAutofit/>
+          </a:bodyPr>
+          <a:lstStyle/>
+          <a:p>
+            <a:pPr>
+              <a:spcAft>
+                <a:spcPts val="600"/>
+              </a:spcAft>
+            </a:pPr>
+            <a:fld id="{7BE69E03-4804-4553-A1EC-F089884EF50F}" type="slidenum">
+              <a:rPr lang="en-US">
+                <a:solidFill>
+                  <a:srgbClr val="FFFFFF"/>
+                </a:solidFill>
+              </a:rPr>
+              <a:pPr>
+                <a:spcAft>
+                  <a:spcPts val="600"/>
+                </a:spcAft>
+              </a:pPr>
+              <a:t>4</a:t>
+            </a:fld>
+            <a:endParaRPr lang="en-US">
+              <a:solidFill>
+                <a:srgbClr val="FFFFFF"/>
+              </a:solidFill>
+            </a:endParaRPr>
+          </a:p>
+        </p:txBody>
+      </p:sp>
+      <p:sp>
+        <p:nvSpPr>
+          <p:cNvPr id="5" name="Footer Placeholder 4">
+            <a:extLst>
+              <a:ext uri="{FF2B5EF4-FFF2-40B4-BE49-F238E27FC236}">
+                <a16:creationId xmlns:a16="http://schemas.microsoft.com/office/drawing/2014/main" id="{69367EA9-3900-90C1-CE10-DC761D9B6DBD}"/>
+              </a:ext>
+            </a:extLst>
+          </p:cNvPr>
+          <p:cNvSpPr>
+            <a:spLocks noGrp="1"/>
+          </p:cNvSpPr>
+          <p:nvPr>
+            <p:ph type="ftr" sz="quarter" idx="11"/>
+          </p:nvPr>
+        </p:nvSpPr>
+        <p:spPr>
+          <a:xfrm>
+            <a:off x="561110" y="6391838"/>
+            <a:ext cx="3859795" cy="304801"/>
+          </a:xfrm>
+        </p:spPr>
+        <p:txBody>
+          <a:bodyPr>
+            <a:normAutofit/>
+          </a:bodyPr>
+          <a:lstStyle/>
+          <a:p>
+            <a:pPr>
+              <a:spcAft>
+                <a:spcPts val="600"/>
+              </a:spcAft>
+            </a:pPr>
+            <a:r>
+              <a:rPr lang="en-US">
+                <a:solidFill>
+                  <a:schemeClr val="tx1"/>
+                </a:solidFill>
+              </a:rPr>
+              <a:t>Sample Footer Text</a:t>
+            </a:r>
+          </a:p>
+        </p:txBody>
+      </p:sp>
+      <p:sp>
+        <p:nvSpPr>
+          <p:cNvPr id="4" name="Date Placeholder 3">
+            <a:extLst>
+              <a:ext uri="{FF2B5EF4-FFF2-40B4-BE49-F238E27FC236}">
+                <a16:creationId xmlns:a16="http://schemas.microsoft.com/office/drawing/2014/main" id="{7333C4E2-E438-083A-E9B9-5B9969C0FE57}"/>
+              </a:ext>
+            </a:extLst>
+          </p:cNvPr>
+          <p:cNvSpPr>
+            <a:spLocks noGrp="1"/>
+          </p:cNvSpPr>
+          <p:nvPr>
+            <p:ph type="dt" sz="half" idx="10"/>
+          </p:nvPr>
+        </p:nvSpPr>
+        <p:spPr>
+          <a:xfrm>
+            <a:off x="10653104" y="6391838"/>
+            <a:ext cx="990599" cy="304799"/>
+          </a:xfrm>
+        </p:spPr>
+        <p:txBody>
+          <a:bodyPr>
+            <a:normAutofit/>
+          </a:bodyPr>
+          <a:lstStyle/>
+          <a:p>
+            <a:pPr>
+              <a:lnSpc>
+                <a:spcPct val="90000"/>
+              </a:lnSpc>
+              <a:spcAft>
+                <a:spcPts val="600"/>
+              </a:spcAft>
+            </a:pPr>
+            <a:fld id="{57997BA6-BEF8-495F-ACCD-8D19769E4FC6}" type="datetime2">
+              <a:rPr lang="en-US" sz="700">
+                <a:solidFill>
+                  <a:schemeClr val="tx1"/>
+                </a:solidFill>
+              </a:rPr>
+              <a:pPr>
+                <a:lnSpc>
+                  <a:spcPct val="90000"/>
+                </a:lnSpc>
+                <a:spcAft>
+                  <a:spcPts val="600"/>
+                </a:spcAft>
+              </a:pPr>
+              <a:t>Thursday, April 10, 2025</a:t>
+            </a:fld>
+            <a:endParaRPr lang="en-US" sz="700">
+              <a:solidFill>
+                <a:schemeClr val="tx1"/>
+              </a:solidFill>
+            </a:endParaRPr>
+          </a:p>
+        </p:txBody>
+      </p:sp>
+      <p:sp>
+        <p:nvSpPr>
+          <p:cNvPr id="7" name="TextBox 6">
+            <a:extLst>
+              <a:ext uri="{FF2B5EF4-FFF2-40B4-BE49-F238E27FC236}">
+                <a16:creationId xmlns:a16="http://schemas.microsoft.com/office/drawing/2014/main" id="{CDC92C43-8BD8-C8EB-A55E-7FFDEAD4E74E}"/>
+              </a:ext>
+            </a:extLst>
+          </p:cNvPr>
+          <p:cNvSpPr txBox="1"/>
+          <p:nvPr/>
+        </p:nvSpPr>
+        <p:spPr>
+          <a:xfrm>
+            <a:off x="1220142" y="1931447"/>
+            <a:ext cx="9903469" cy="369332"/>
+          </a:xfrm>
+          <a:prstGeom prst="rect">
+            <a:avLst/>
+          </a:prstGeom>
+          <a:noFill/>
+        </p:spPr>
+        <p:txBody>
+          <a:bodyPr wrap="square" rtlCol="0">
+            <a:spAutoFit/>
+          </a:bodyPr>
+          <a:lstStyle/>
+          <a:p>
+            <a:pPr marL="285750" indent="-285750">
+              <a:buFont typeface="Wingdings" panose="05000000000000000000" pitchFamily="2" charset="2"/>
+              <a:buChar char="§"/>
+            </a:pPr>
+            <a:r>
+              <a:rPr lang="en-US" dirty="0">
+                <a:solidFill>
+                  <a:srgbClr val="2D3B45"/>
+                </a:solidFill>
+                <a:latin typeface="LatoWeb"/>
+              </a:rPr>
+              <a:t>Code can be found at following </a:t>
+            </a:r>
+            <a:r>
+              <a:rPr lang="en-US" dirty="0" err="1">
+                <a:solidFill>
+                  <a:srgbClr val="2D3B45"/>
+                </a:solidFill>
+                <a:latin typeface="LatoWeb"/>
+              </a:rPr>
+              <a:t>Github</a:t>
+            </a:r>
+            <a:r>
+              <a:rPr lang="en-US" dirty="0">
+                <a:solidFill>
+                  <a:srgbClr val="2D3B45"/>
+                </a:solidFill>
+                <a:latin typeface="LatoWeb"/>
+              </a:rPr>
+              <a:t> link</a:t>
+            </a:r>
+          </a:p>
+        </p:txBody>
+      </p:sp>
+      <p:sp>
+        <p:nvSpPr>
+          <p:cNvPr id="9" name="TextBox 8">
+            <a:extLst>
+              <a:ext uri="{FF2B5EF4-FFF2-40B4-BE49-F238E27FC236}">
+                <a16:creationId xmlns:a16="http://schemas.microsoft.com/office/drawing/2014/main" id="{902FDF1B-AB9E-6344-4897-13A6C532B06A}"/>
+              </a:ext>
+            </a:extLst>
+          </p:cNvPr>
+          <p:cNvSpPr txBox="1"/>
+          <p:nvPr/>
+        </p:nvSpPr>
+        <p:spPr>
+          <a:xfrm>
+            <a:off x="1545880" y="2478070"/>
+            <a:ext cx="6097508" cy="369332"/>
+          </a:xfrm>
+          <a:prstGeom prst="rect">
+            <a:avLst/>
+          </a:prstGeom>
+          <a:noFill/>
+        </p:spPr>
+        <p:txBody>
+          <a:bodyPr wrap="square">
+            <a:spAutoFit/>
+          </a:bodyPr>
+          <a:lstStyle/>
+          <a:p>
+            <a:r>
+              <a:rPr lang="en-US" dirty="0">
+                <a:solidFill>
+                  <a:srgbClr val="00B0F0"/>
+                </a:solidFill>
+              </a:rPr>
+              <a:t>https://github.com/syyadmsai/AIH-LLM</a:t>
+            </a:r>
+          </a:p>
+        </p:txBody>
+      </p:sp>
+    </p:spTree>
+    <p:extLst>
+      <p:ext uri="{BB962C8B-B14F-4D97-AF65-F5344CB8AC3E}">
+        <p14:creationId xmlns:p14="http://schemas.microsoft.com/office/powerpoint/2010/main" val="860017577"/>
+      </p:ext>
+    </p:extLst>
+  </p:cSld>
+  <p:clrMapOvr>
+    <a:masterClrMapping/>
+  </p:clrMapOvr>
+</p:sld>
+</file>
+
+<file path=ppt/slides/slide5.xml><?xml version="1.0" encoding="utf-8"?>
+<p:sld xmlns:a="http://schemas.openxmlformats.org/drawingml/2006/main" xmlns:r="http://schemas.openxmlformats.org/officeDocument/2006/relationships" xmlns:p="http://schemas.openxmlformats.org/presentationml/2006/main">
+  <p:cSld>
+    <p:bg>
+      <p:bgPr>
+        <a:solidFill>
+          <a:schemeClr val="bg1"/>
+        </a:solidFill>
+        <a:effectLst/>
+      </p:bgPr>
+    </p:bg>
+    <p:spTree>
+      <p:nvGrpSpPr>
+        <p:cNvPr id="1" name="">
+          <a:extLst>
+            <a:ext uri="{FF2B5EF4-FFF2-40B4-BE49-F238E27FC236}">
               <a16:creationId xmlns:a16="http://schemas.microsoft.com/office/drawing/2014/main" id="{5AC6C45E-C26D-9E63-8CB8-1CCDFE52DB3A}"/>
             </a:ext>
           </a:extLst>
@@ -22763,7 +24008,7 @@
                   <a:spcPts val="600"/>
                 </a:spcAft>
               </a:pPr>
-              <a:t>4</a:t>
+              <a:t>5</a:t>
             </a:fld>
             <a:endParaRPr lang="en-US">
               <a:solidFill>
@@ -23024,7 +24269,7 @@
 </p:sld>
 </file>
 
-<file path=ppt/slides/slide5.xml><?xml version="1.0" encoding="utf-8"?>
+<file path=ppt/slides/slide6.xml><?xml version="1.0" encoding="utf-8"?>
 <p:sld xmlns:a="http://schemas.openxmlformats.org/drawingml/2006/main" xmlns:r="http://schemas.openxmlformats.org/officeDocument/2006/relationships" xmlns:p="http://schemas.openxmlformats.org/presentationml/2006/main">
   <p:cSld>
     <p:bg>
@@ -23277,7 +24522,7 @@
                   <a:spcPts val="600"/>
                 </a:spcAft>
               </a:pPr>
-              <a:t>5</a:t>
+              <a:t>6</a:t>
             </a:fld>
             <a:endParaRPr lang="en-US">
               <a:solidFill>
@@ -23839,7 +25084,7 @@
 </p:sld>
 </file>
 
-<file path=ppt/slides/slide6.xml><?xml version="1.0" encoding="utf-8"?>
+<file path=ppt/slides/slide7.xml><?xml version="1.0" encoding="utf-8"?>
 <p:sld xmlns:a="http://schemas.openxmlformats.org/drawingml/2006/main" xmlns:r="http://schemas.openxmlformats.org/officeDocument/2006/relationships" xmlns:p="http://schemas.openxmlformats.org/presentationml/2006/main">
   <p:cSld>
     <p:bg>
@@ -24092,7 +25337,7 @@
                   <a:spcPts val="600"/>
                 </a:spcAft>
               </a:pPr>
-              <a:t>6</a:t>
+              <a:t>7</a:t>
             </a:fld>
             <a:endParaRPr lang="en-US">
               <a:solidFill>
@@ -24645,7 +25890,7 @@
 </p:sld>
 </file>
 
-<file path=ppt/slides/slide7.xml><?xml version="1.0" encoding="utf-8"?>
+<file path=ppt/slides/slide8.xml><?xml version="1.0" encoding="utf-8"?>
 <p:sld xmlns:a="http://schemas.openxmlformats.org/drawingml/2006/main" xmlns:r="http://schemas.openxmlformats.org/officeDocument/2006/relationships" xmlns:p="http://schemas.openxmlformats.org/presentationml/2006/main">
   <p:cSld>
     <p:bg>
@@ -24898,7 +26143,7 @@
                   <a:spcPts val="600"/>
                 </a:spcAft>
               </a:pPr>
-              <a:t>7</a:t>
+              <a:t>8</a:t>
             </a:fld>
             <a:endParaRPr lang="en-US">
               <a:solidFill>
@@ -25435,7 +26680,7 @@
 </p:sld>
 </file>
 
-<file path=ppt/slides/slide8.xml><?xml version="1.0" encoding="utf-8"?>
+<file path=ppt/slides/slide9.xml><?xml version="1.0" encoding="utf-8"?>
 <p:sld xmlns:a="http://schemas.openxmlformats.org/drawingml/2006/main" xmlns:r="http://schemas.openxmlformats.org/officeDocument/2006/relationships" xmlns:p="http://schemas.openxmlformats.org/presentationml/2006/main">
   <p:cSld>
     <p:bg>
@@ -25727,7 +26972,7 @@
                   <a:spcPts val="600"/>
                 </a:spcAft>
               </a:pPr>
-              <a:t>8</a:t>
+              <a:t>9</a:t>
             </a:fld>
             <a:endParaRPr lang="en-US">
               <a:solidFill>
@@ -25926,730 +27171,6 @@
     <p:extLst>
       <p:ext uri="{BB962C8B-B14F-4D97-AF65-F5344CB8AC3E}">
         <p14:creationId xmlns:p14="http://schemas.microsoft.com/office/powerpoint/2010/main" val="653655780"/>
-      </p:ext>
-    </p:extLst>
-  </p:cSld>
-  <p:clrMapOvr>
-    <a:masterClrMapping/>
-  </p:clrMapOvr>
-</p:sld>
-</file>
-
-<file path=ppt/slides/slide9.xml><?xml version="1.0" encoding="utf-8"?>
-<p:sld xmlns:a="http://schemas.openxmlformats.org/drawingml/2006/main" xmlns:r="http://schemas.openxmlformats.org/officeDocument/2006/relationships" xmlns:p="http://schemas.openxmlformats.org/presentationml/2006/main">
-  <p:cSld>
-    <p:bg>
-      <p:bgPr>
-        <a:solidFill>
-          <a:schemeClr val="bg1"/>
-        </a:solidFill>
-        <a:effectLst/>
-      </p:bgPr>
-    </p:bg>
-    <p:spTree>
-      <p:nvGrpSpPr>
-        <p:cNvPr id="1" name="">
-          <a:extLst>
-            <a:ext uri="{FF2B5EF4-FFF2-40B4-BE49-F238E27FC236}">
-              <a16:creationId xmlns:a16="http://schemas.microsoft.com/office/drawing/2014/main" id="{CDCD3620-DB2C-8AE9-ED71-7B3AC15C7234}"/>
-            </a:ext>
-          </a:extLst>
-        </p:cNvPr>
-        <p:cNvGrpSpPr/>
-        <p:nvPr/>
-      </p:nvGrpSpPr>
-      <p:grpSpPr>
-        <a:xfrm>
-          <a:off x="0" y="0"/>
-          <a:ext cx="0" cy="0"/>
-          <a:chOff x="0" y="0"/>
-          <a:chExt cx="0" cy="0"/>
-        </a:xfrm>
-      </p:grpSpPr>
-      <p:sp>
-        <p:nvSpPr>
-          <p:cNvPr id="11" name="Rectangle 10">
-            <a:extLst>
-              <a:ext uri="{FF2B5EF4-FFF2-40B4-BE49-F238E27FC236}">
-                <a16:creationId xmlns:a16="http://schemas.microsoft.com/office/drawing/2014/main" id="{C88B6234-4ED3-DAC5-1848-D77F15F1F06F}"/>
-              </a:ext>
-              <a:ext uri="{C183D7F6-B498-43B3-948B-1728B52AA6E4}">
-                <adec:decorative xmlns:adec="http://schemas.microsoft.com/office/drawing/2017/decorative" val="1"/>
-              </a:ext>
-            </a:extLst>
-          </p:cNvPr>
-          <p:cNvSpPr>
-            <a:spLocks noGrp="1" noRot="1" noChangeAspect="1" noMove="1" noResize="1" noEditPoints="1" noAdjustHandles="1" noChangeArrowheads="1" noChangeShapeType="1" noTextEdit="1"/>
-          </p:cNvSpPr>
-          <p:nvPr>
-            <p:extLst>
-              <p:ext uri="{386F3935-93C4-4BCD-93E2-E3B085C9AB24}">
-                <p16:designElem xmlns:p16="http://schemas.microsoft.com/office/powerpoint/2015/main" val="1"/>
-              </p:ext>
-            </p:extLst>
-          </p:nvPr>
-        </p:nvSpPr>
-        <p:spPr>
-          <a:xfrm>
-            <a:off x="0" y="0"/>
-            <a:ext cx="12192000" cy="6858000"/>
-          </a:xfrm>
-          <a:prstGeom prst="rect">
-            <a:avLst/>
-          </a:prstGeom>
-          <a:ln>
-            <a:noFill/>
-          </a:ln>
-        </p:spPr>
-        <p:style>
-          <a:lnRef idx="2">
-            <a:schemeClr val="accent1">
-              <a:shade val="50000"/>
-            </a:schemeClr>
-          </a:lnRef>
-          <a:fillRef idx="1002">
-            <a:schemeClr val="lt1"/>
-          </a:fillRef>
-          <a:effectRef idx="0">
-            <a:schemeClr val="accent1"/>
-          </a:effectRef>
-          <a:fontRef idx="minor">
-            <a:schemeClr val="lt1"/>
-          </a:fontRef>
-        </p:style>
-        <p:txBody>
-          <a:bodyPr rtlCol="0" anchor="ctr"/>
-          <a:lstStyle/>
-          <a:p>
-            <a:pPr algn="ctr"/>
-            <a:endParaRPr lang="en-US"/>
-          </a:p>
-        </p:txBody>
-      </p:sp>
-      <p:sp useBgFill="1">
-        <p:nvSpPr>
-          <p:cNvPr id="13" name="Rectangle 12">
-            <a:extLst>
-              <a:ext uri="{FF2B5EF4-FFF2-40B4-BE49-F238E27FC236}">
-                <a16:creationId xmlns:a16="http://schemas.microsoft.com/office/drawing/2014/main" id="{47C00436-AAB6-555F-E7C0-3FE075B801BE}"/>
-              </a:ext>
-              <a:ext uri="{C183D7F6-B498-43B3-948B-1728B52AA6E4}">
-                <adec:decorative xmlns:adec="http://schemas.microsoft.com/office/drawing/2017/decorative" val="1"/>
-              </a:ext>
-            </a:extLst>
-          </p:cNvPr>
-          <p:cNvSpPr>
-            <a:spLocks noGrp="1" noRot="1" noChangeAspect="1" noMove="1" noResize="1" noEditPoints="1" noAdjustHandles="1" noChangeArrowheads="1" noChangeShapeType="1" noTextEdit="1"/>
-          </p:cNvSpPr>
-          <p:nvPr>
-            <p:extLst>
-              <p:ext uri="{386F3935-93C4-4BCD-93E2-E3B085C9AB24}">
-                <p16:designElem xmlns:p16="http://schemas.microsoft.com/office/powerpoint/2015/main" val="1"/>
-              </p:ext>
-            </p:extLst>
-          </p:nvPr>
-        </p:nvSpPr>
-        <p:spPr>
-          <a:xfrm>
-            <a:off x="476250" y="473745"/>
-            <a:ext cx="11227090" cy="5902829"/>
-          </a:xfrm>
-          <a:prstGeom prst="rect">
-            <a:avLst/>
-          </a:prstGeom>
-          <a:ln>
-            <a:noFill/>
-          </a:ln>
-          <a:effectLst/>
-        </p:spPr>
-        <p:style>
-          <a:lnRef idx="1">
-            <a:schemeClr val="accent1"/>
-          </a:lnRef>
-          <a:fillRef idx="3">
-            <a:schemeClr val="accent1"/>
-          </a:fillRef>
-          <a:effectRef idx="2">
-            <a:schemeClr val="accent1"/>
-          </a:effectRef>
-          <a:fontRef idx="minor">
-            <a:schemeClr val="lt1"/>
-          </a:fontRef>
-        </p:style>
-        <p:txBody>
-          <a:bodyPr/>
-          <a:lstStyle/>
-          <a:p>
-            <a:endParaRPr lang="en-US"/>
-          </a:p>
-        </p:txBody>
-      </p:sp>
-      <p:sp>
-        <p:nvSpPr>
-          <p:cNvPr id="15" name="Rectangle 14">
-            <a:extLst>
-              <a:ext uri="{FF2B5EF4-FFF2-40B4-BE49-F238E27FC236}">
-                <a16:creationId xmlns:a16="http://schemas.microsoft.com/office/drawing/2014/main" id="{93FE64EE-2412-6DC4-04F3-3977BE350048}"/>
-              </a:ext>
-              <a:ext uri="{C183D7F6-B498-43B3-948B-1728B52AA6E4}">
-                <adec:decorative xmlns:adec="http://schemas.microsoft.com/office/drawing/2017/decorative" val="1"/>
-              </a:ext>
-            </a:extLst>
-          </p:cNvPr>
-          <p:cNvSpPr>
-            <a:spLocks noGrp="1" noRot="1" noChangeAspect="1" noMove="1" noResize="1" noEditPoints="1" noAdjustHandles="1" noChangeArrowheads="1" noChangeShapeType="1" noTextEdit="1"/>
-          </p:cNvSpPr>
-          <p:nvPr>
-            <p:extLst>
-              <p:ext uri="{386F3935-93C4-4BCD-93E2-E3B085C9AB24}">
-                <p16:designElem xmlns:p16="http://schemas.microsoft.com/office/powerpoint/2015/main" val="1"/>
-              </p:ext>
-            </p:extLst>
-          </p:nvPr>
-        </p:nvSpPr>
-        <p:spPr>
-          <a:xfrm>
-            <a:off x="10437812" y="0"/>
-            <a:ext cx="685800" cy="1143000"/>
-          </a:xfrm>
-          <a:prstGeom prst="rect">
-            <a:avLst/>
-          </a:prstGeom>
-          <a:solidFill>
-            <a:schemeClr val="accent1"/>
-          </a:solidFill>
-          <a:ln>
-            <a:noFill/>
-          </a:ln>
-        </p:spPr>
-        <p:style>
-          <a:lnRef idx="1">
-            <a:schemeClr val="accent1"/>
-          </a:lnRef>
-          <a:fillRef idx="3">
-            <a:schemeClr val="accent1"/>
-          </a:fillRef>
-          <a:effectRef idx="2">
-            <a:schemeClr val="accent1"/>
-          </a:effectRef>
-          <a:fontRef idx="minor">
-            <a:schemeClr val="lt1"/>
-          </a:fontRef>
-        </p:style>
-        <p:txBody>
-          <a:bodyPr/>
-          <a:lstStyle/>
-          <a:p>
-            <a:endParaRPr lang="en-US"/>
-          </a:p>
-        </p:txBody>
-      </p:sp>
-      <p:sp>
-        <p:nvSpPr>
-          <p:cNvPr id="6" name="Slide Number Placeholder 5">
-            <a:extLst>
-              <a:ext uri="{FF2B5EF4-FFF2-40B4-BE49-F238E27FC236}">
-                <a16:creationId xmlns:a16="http://schemas.microsoft.com/office/drawing/2014/main" id="{86E5565B-86FD-103D-6733-4C7390332211}"/>
-              </a:ext>
-            </a:extLst>
-          </p:cNvPr>
-          <p:cNvSpPr>
-            <a:spLocks noGrp="1"/>
-          </p:cNvSpPr>
-          <p:nvPr>
-            <p:ph type="sldNum" sz="quarter" idx="12"/>
-          </p:nvPr>
-        </p:nvSpPr>
-        <p:spPr>
-          <a:xfrm>
-            <a:off x="10352540" y="295729"/>
-            <a:ext cx="838199" cy="767687"/>
-          </a:xfrm>
-        </p:spPr>
-        <p:txBody>
-          <a:bodyPr>
-            <a:normAutofit/>
-          </a:bodyPr>
-          <a:lstStyle/>
-          <a:p>
-            <a:pPr>
-              <a:spcAft>
-                <a:spcPts val="600"/>
-              </a:spcAft>
-            </a:pPr>
-            <a:fld id="{7BE69E03-4804-4553-A1EC-F089884EF50F}" type="slidenum">
-              <a:rPr lang="en-US">
-                <a:solidFill>
-                  <a:srgbClr val="FFFFFF"/>
-                </a:solidFill>
-              </a:rPr>
-              <a:pPr>
-                <a:spcAft>
-                  <a:spcPts val="600"/>
-                </a:spcAft>
-              </a:pPr>
-              <a:t>9</a:t>
-            </a:fld>
-            <a:endParaRPr lang="en-US">
-              <a:solidFill>
-                <a:srgbClr val="FFFFFF"/>
-              </a:solidFill>
-            </a:endParaRPr>
-          </a:p>
-        </p:txBody>
-      </p:sp>
-      <p:sp>
-        <p:nvSpPr>
-          <p:cNvPr id="5" name="Footer Placeholder 4">
-            <a:extLst>
-              <a:ext uri="{FF2B5EF4-FFF2-40B4-BE49-F238E27FC236}">
-                <a16:creationId xmlns:a16="http://schemas.microsoft.com/office/drawing/2014/main" id="{537B7F7A-CE87-AB12-9ECB-14AFA13F5F6E}"/>
-              </a:ext>
-            </a:extLst>
-          </p:cNvPr>
-          <p:cNvSpPr>
-            <a:spLocks noGrp="1"/>
-          </p:cNvSpPr>
-          <p:nvPr>
-            <p:ph type="ftr" sz="quarter" idx="11"/>
-          </p:nvPr>
-        </p:nvSpPr>
-        <p:spPr>
-          <a:xfrm>
-            <a:off x="561110" y="6973826"/>
-            <a:ext cx="3859795" cy="157375"/>
-          </a:xfrm>
-        </p:spPr>
-        <p:txBody>
-          <a:bodyPr>
-            <a:normAutofit fontScale="47500" lnSpcReduction="20000"/>
-          </a:bodyPr>
-          <a:lstStyle/>
-          <a:p>
-            <a:pPr>
-              <a:spcAft>
-                <a:spcPts val="600"/>
-              </a:spcAft>
-            </a:pPr>
-            <a:r>
-              <a:rPr lang="en-US">
-                <a:solidFill>
-                  <a:schemeClr val="tx1"/>
-                </a:solidFill>
-              </a:rPr>
-              <a:t>Sample Footer Text</a:t>
-            </a:r>
-          </a:p>
-        </p:txBody>
-      </p:sp>
-      <p:sp>
-        <p:nvSpPr>
-          <p:cNvPr id="4" name="Date Placeholder 3">
-            <a:extLst>
-              <a:ext uri="{FF2B5EF4-FFF2-40B4-BE49-F238E27FC236}">
-                <a16:creationId xmlns:a16="http://schemas.microsoft.com/office/drawing/2014/main" id="{4AB01879-2CD9-5160-3BCC-44C8DB494F25}"/>
-              </a:ext>
-            </a:extLst>
-          </p:cNvPr>
-          <p:cNvSpPr>
-            <a:spLocks noGrp="1"/>
-          </p:cNvSpPr>
-          <p:nvPr>
-            <p:ph type="dt" sz="half" idx="10"/>
-          </p:nvPr>
-        </p:nvSpPr>
-        <p:spPr>
-          <a:xfrm>
-            <a:off x="10653104" y="6391838"/>
-            <a:ext cx="990599" cy="304799"/>
-          </a:xfrm>
-        </p:spPr>
-        <p:txBody>
-          <a:bodyPr>
-            <a:normAutofit/>
-          </a:bodyPr>
-          <a:lstStyle/>
-          <a:p>
-            <a:pPr>
-              <a:lnSpc>
-                <a:spcPct val="90000"/>
-              </a:lnSpc>
-              <a:spcAft>
-                <a:spcPts val="600"/>
-              </a:spcAft>
-            </a:pPr>
-            <a:fld id="{57997BA6-BEF8-495F-ACCD-8D19769E4FC6}" type="datetime2">
-              <a:rPr lang="en-US" sz="700">
-                <a:solidFill>
-                  <a:schemeClr val="tx1"/>
-                </a:solidFill>
-              </a:rPr>
-              <a:pPr>
-                <a:lnSpc>
-                  <a:spcPct val="90000"/>
-                </a:lnSpc>
-                <a:spcAft>
-                  <a:spcPts val="600"/>
-                </a:spcAft>
-              </a:pPr>
-              <a:t>Thursday, April 10, 2025</a:t>
-            </a:fld>
-            <a:endParaRPr lang="en-US" sz="700">
-              <a:solidFill>
-                <a:schemeClr val="tx1"/>
-              </a:solidFill>
-            </a:endParaRPr>
-          </a:p>
-        </p:txBody>
-      </p:sp>
-      <p:sp>
-        <p:nvSpPr>
-          <p:cNvPr id="18" name="Title 1">
-            <a:extLst>
-              <a:ext uri="{FF2B5EF4-FFF2-40B4-BE49-F238E27FC236}">
-                <a16:creationId xmlns:a16="http://schemas.microsoft.com/office/drawing/2014/main" id="{D4416BD1-7234-6FE0-9371-77A6D0B70917}"/>
-              </a:ext>
-            </a:extLst>
-          </p:cNvPr>
-          <p:cNvSpPr txBox="1">
-            <a:spLocks/>
-          </p:cNvSpPr>
-          <p:nvPr/>
-        </p:nvSpPr>
-        <p:spPr bwMode="gray">
-          <a:xfrm>
-            <a:off x="944741" y="964053"/>
-            <a:ext cx="9826898" cy="839321"/>
-          </a:xfrm>
-          <a:prstGeom prst="rect">
-            <a:avLst/>
-          </a:prstGeom>
-        </p:spPr>
-        <p:txBody>
-          <a:bodyPr vert="horz" lIns="91440" tIns="45720" rIns="91440" bIns="45720" rtlCol="0" anchor="b">
-            <a:normAutofit/>
-          </a:bodyPr>
-          <a:lstStyle>
-            <a:lvl1pPr algn="l" defTabSz="457200" rtl="0" eaLnBrk="1" latinLnBrk="0" hangingPunct="1">
-              <a:spcBef>
-                <a:spcPct val="0"/>
-              </a:spcBef>
-              <a:buNone/>
-              <a:defRPr sz="3600" b="0" i="0" kern="1200">
-                <a:solidFill>
-                  <a:schemeClr val="bg2"/>
-                </a:solidFill>
-                <a:latin typeface="+mj-lt"/>
-                <a:ea typeface="+mj-ea"/>
-                <a:cs typeface="+mj-cs"/>
-              </a:defRPr>
-            </a:lvl1pPr>
-            <a:lvl2pPr eaLnBrk="1" hangingPunct="1">
-              <a:defRPr>
-                <a:solidFill>
-                  <a:schemeClr val="tx2"/>
-                </a:solidFill>
-              </a:defRPr>
-            </a:lvl2pPr>
-            <a:lvl3pPr eaLnBrk="1" hangingPunct="1">
-              <a:defRPr>
-                <a:solidFill>
-                  <a:schemeClr val="tx2"/>
-                </a:solidFill>
-              </a:defRPr>
-            </a:lvl3pPr>
-            <a:lvl4pPr eaLnBrk="1" hangingPunct="1">
-              <a:defRPr>
-                <a:solidFill>
-                  <a:schemeClr val="tx2"/>
-                </a:solidFill>
-              </a:defRPr>
-            </a:lvl4pPr>
-            <a:lvl5pPr eaLnBrk="1" hangingPunct="1">
-              <a:defRPr>
-                <a:solidFill>
-                  <a:schemeClr val="tx2"/>
-                </a:solidFill>
-              </a:defRPr>
-            </a:lvl5pPr>
-            <a:lvl6pPr eaLnBrk="1" hangingPunct="1">
-              <a:defRPr>
-                <a:solidFill>
-                  <a:schemeClr val="tx2"/>
-                </a:solidFill>
-              </a:defRPr>
-            </a:lvl6pPr>
-            <a:lvl7pPr eaLnBrk="1" hangingPunct="1">
-              <a:defRPr>
-                <a:solidFill>
-                  <a:schemeClr val="tx2"/>
-                </a:solidFill>
-              </a:defRPr>
-            </a:lvl7pPr>
-            <a:lvl8pPr eaLnBrk="1" hangingPunct="1">
-              <a:defRPr>
-                <a:solidFill>
-                  <a:schemeClr val="tx2"/>
-                </a:solidFill>
-              </a:defRPr>
-            </a:lvl8pPr>
-            <a:lvl9pPr eaLnBrk="1" hangingPunct="1">
-              <a:defRPr>
-                <a:solidFill>
-                  <a:schemeClr val="tx2"/>
-                </a:solidFill>
-              </a:defRPr>
-            </a:lvl9pPr>
-          </a:lstStyle>
-          <a:p>
-            <a:r>
-              <a:rPr lang="en-US" sz="2000" b="1" dirty="0">
-                <a:solidFill>
-                  <a:schemeClr val="tx2"/>
-                </a:solidFill>
-              </a:rPr>
-              <a:t>Step 1</a:t>
-            </a:r>
-            <a:r>
-              <a:rPr lang="en-US" sz="2000" dirty="0">
-                <a:solidFill>
-                  <a:schemeClr val="tx2"/>
-                </a:solidFill>
-              </a:rPr>
-              <a:t>: Category Mapping</a:t>
-            </a:r>
-          </a:p>
-          <a:p>
-            <a:endParaRPr lang="en-US" sz="2000" dirty="0">
-              <a:solidFill>
-                <a:schemeClr val="tx2"/>
-              </a:solidFill>
-            </a:endParaRPr>
-          </a:p>
-        </p:txBody>
-      </p:sp>
-      <p:sp>
-        <p:nvSpPr>
-          <p:cNvPr id="9" name="Title 1">
-            <a:extLst>
-              <a:ext uri="{FF2B5EF4-FFF2-40B4-BE49-F238E27FC236}">
-                <a16:creationId xmlns:a16="http://schemas.microsoft.com/office/drawing/2014/main" id="{D8EAC1DA-F20D-9136-5504-9F95AC69EE3B}"/>
-              </a:ext>
-            </a:extLst>
-          </p:cNvPr>
-          <p:cNvSpPr txBox="1">
-            <a:spLocks/>
-          </p:cNvSpPr>
-          <p:nvPr/>
-        </p:nvSpPr>
-        <p:spPr bwMode="gray">
-          <a:xfrm>
-            <a:off x="953814" y="4117550"/>
-            <a:ext cx="9826898" cy="425226"/>
-          </a:xfrm>
-          <a:prstGeom prst="rect">
-            <a:avLst/>
-          </a:prstGeom>
-        </p:spPr>
-        <p:txBody>
-          <a:bodyPr vert="horz" lIns="91440" tIns="45720" rIns="91440" bIns="45720" rtlCol="0" anchor="b">
-            <a:normAutofit/>
-          </a:bodyPr>
-          <a:lstStyle>
-            <a:lvl1pPr algn="l" defTabSz="457200" rtl="0" eaLnBrk="1" latinLnBrk="0" hangingPunct="1">
-              <a:spcBef>
-                <a:spcPct val="0"/>
-              </a:spcBef>
-              <a:buNone/>
-              <a:defRPr sz="3600" b="0" i="0" kern="1200">
-                <a:solidFill>
-                  <a:schemeClr val="bg2"/>
-                </a:solidFill>
-                <a:latin typeface="+mj-lt"/>
-                <a:ea typeface="+mj-ea"/>
-                <a:cs typeface="+mj-cs"/>
-              </a:defRPr>
-            </a:lvl1pPr>
-            <a:lvl2pPr eaLnBrk="1" hangingPunct="1">
-              <a:defRPr>
-                <a:solidFill>
-                  <a:schemeClr val="tx2"/>
-                </a:solidFill>
-              </a:defRPr>
-            </a:lvl2pPr>
-            <a:lvl3pPr eaLnBrk="1" hangingPunct="1">
-              <a:defRPr>
-                <a:solidFill>
-                  <a:schemeClr val="tx2"/>
-                </a:solidFill>
-              </a:defRPr>
-            </a:lvl3pPr>
-            <a:lvl4pPr eaLnBrk="1" hangingPunct="1">
-              <a:defRPr>
-                <a:solidFill>
-                  <a:schemeClr val="tx2"/>
-                </a:solidFill>
-              </a:defRPr>
-            </a:lvl4pPr>
-            <a:lvl5pPr eaLnBrk="1" hangingPunct="1">
-              <a:defRPr>
-                <a:solidFill>
-                  <a:schemeClr val="tx2"/>
-                </a:solidFill>
-              </a:defRPr>
-            </a:lvl5pPr>
-            <a:lvl6pPr eaLnBrk="1" hangingPunct="1">
-              <a:defRPr>
-                <a:solidFill>
-                  <a:schemeClr val="tx2"/>
-                </a:solidFill>
-              </a:defRPr>
-            </a:lvl6pPr>
-            <a:lvl7pPr eaLnBrk="1" hangingPunct="1">
-              <a:defRPr>
-                <a:solidFill>
-                  <a:schemeClr val="tx2"/>
-                </a:solidFill>
-              </a:defRPr>
-            </a:lvl7pPr>
-            <a:lvl8pPr eaLnBrk="1" hangingPunct="1">
-              <a:defRPr>
-                <a:solidFill>
-                  <a:schemeClr val="tx2"/>
-                </a:solidFill>
-              </a:defRPr>
-            </a:lvl8pPr>
-            <a:lvl9pPr eaLnBrk="1" hangingPunct="1">
-              <a:defRPr>
-                <a:solidFill>
-                  <a:schemeClr val="tx2"/>
-                </a:solidFill>
-              </a:defRPr>
-            </a:lvl9pPr>
-          </a:lstStyle>
-          <a:p>
-            <a:r>
-              <a:rPr lang="en-US" sz="2000" b="1" dirty="0">
-                <a:solidFill>
-                  <a:schemeClr val="tx2"/>
-                </a:solidFill>
-              </a:rPr>
-              <a:t>Step 2</a:t>
-            </a:r>
-            <a:r>
-              <a:rPr lang="en-US" sz="2000" dirty="0">
-                <a:solidFill>
-                  <a:schemeClr val="tx2"/>
-                </a:solidFill>
-              </a:rPr>
-              <a:t>: Normalize Categories</a:t>
-            </a:r>
-          </a:p>
-        </p:txBody>
-      </p:sp>
-      <p:sp>
-        <p:nvSpPr>
-          <p:cNvPr id="20" name="TextBox 19">
-            <a:extLst>
-              <a:ext uri="{FF2B5EF4-FFF2-40B4-BE49-F238E27FC236}">
-                <a16:creationId xmlns:a16="http://schemas.microsoft.com/office/drawing/2014/main" id="{5DB835F1-A6B2-2627-1053-ED22763AECED}"/>
-              </a:ext>
-            </a:extLst>
-          </p:cNvPr>
-          <p:cNvSpPr txBox="1"/>
-          <p:nvPr/>
-        </p:nvSpPr>
-        <p:spPr>
-          <a:xfrm>
-            <a:off x="944740" y="1499964"/>
-            <a:ext cx="9493071" cy="276999"/>
-          </a:xfrm>
-          <a:prstGeom prst="rect">
-            <a:avLst/>
-          </a:prstGeom>
-          <a:noFill/>
-        </p:spPr>
-        <p:txBody>
-          <a:bodyPr wrap="square">
-            <a:spAutoFit/>
-          </a:bodyPr>
-          <a:lstStyle/>
-          <a:p>
-            <a:r>
-              <a:rPr lang="en-US" sz="1200" dirty="0">
-                <a:solidFill>
-                  <a:schemeClr val="tx2"/>
-                </a:solidFill>
-              </a:rPr>
-              <a:t>Different allergy diagnosis are mapped to common allergy categories to remove overlapping diagnosis.</a:t>
-            </a:r>
-          </a:p>
-        </p:txBody>
-      </p:sp>
-      <p:pic>
-        <p:nvPicPr>
-          <p:cNvPr id="3" name="Picture 2">
-            <a:extLst>
-              <a:ext uri="{FF2B5EF4-FFF2-40B4-BE49-F238E27FC236}">
-                <a16:creationId xmlns:a16="http://schemas.microsoft.com/office/drawing/2014/main" id="{79511679-CC74-7877-1A6B-7F84CB96148B}"/>
-              </a:ext>
-            </a:extLst>
-          </p:cNvPr>
-          <p:cNvPicPr>
-            <a:picLocks noChangeAspect="1"/>
-          </p:cNvPicPr>
-          <p:nvPr/>
-        </p:nvPicPr>
-        <p:blipFill>
-          <a:blip r:embed="rId2"/>
-          <a:stretch>
-            <a:fillRect/>
-          </a:stretch>
-        </p:blipFill>
-        <p:spPr>
-          <a:xfrm>
-            <a:off x="1062508" y="1837118"/>
-            <a:ext cx="6391275" cy="2019300"/>
-          </a:xfrm>
-          <a:prstGeom prst="rect">
-            <a:avLst/>
-          </a:prstGeom>
-        </p:spPr>
-      </p:pic>
-      <p:pic>
-        <p:nvPicPr>
-          <p:cNvPr id="8" name="Picture 7">
-            <a:extLst>
-              <a:ext uri="{FF2B5EF4-FFF2-40B4-BE49-F238E27FC236}">
-                <a16:creationId xmlns:a16="http://schemas.microsoft.com/office/drawing/2014/main" id="{738134A3-B23A-7044-BE1F-22543D07F94B}"/>
-              </a:ext>
-            </a:extLst>
-          </p:cNvPr>
-          <p:cNvPicPr>
-            <a:picLocks noChangeAspect="1"/>
-          </p:cNvPicPr>
-          <p:nvPr/>
-        </p:nvPicPr>
-        <p:blipFill>
-          <a:blip r:embed="rId3"/>
-          <a:stretch>
-            <a:fillRect/>
-          </a:stretch>
-        </p:blipFill>
-        <p:spPr>
-          <a:xfrm>
-            <a:off x="1062508" y="4751513"/>
-            <a:ext cx="4581525" cy="990600"/>
-          </a:xfrm>
-          <a:prstGeom prst="rect">
-            <a:avLst/>
-          </a:prstGeom>
-        </p:spPr>
-      </p:pic>
-    </p:spTree>
-    <p:extLst>
-      <p:ext uri="{BB962C8B-B14F-4D97-AF65-F5344CB8AC3E}">
-        <p14:creationId xmlns:p14="http://schemas.microsoft.com/office/powerpoint/2010/main" val="1191351732"/>
       </p:ext>
     </p:extLst>
   </p:cSld>

--- a/AIH-LLM.pptx
+++ b/AIH-LLM.pptx
@@ -23379,7 +23379,7 @@
                   <a:schemeClr val="tx2"/>
                 </a:solidFill>
               </a:rPr>
-              <a:t>Code</a:t>
+              <a:t>Code and Output</a:t>
             </a:r>
           </a:p>
         </p:txBody>
@@ -23641,7 +23641,7 @@
                 </a:solidFill>
                 <a:latin typeface="LatoWeb"/>
               </a:rPr>
-              <a:t>Code can be found at following </a:t>
+              <a:t>Code and output files can be found at following </a:t>
             </a:r>
             <a:r>
               <a:rPr lang="en-US" dirty="0" err="1">
